--- a/Story 6/Food Security.pptx
+++ b/Story 6/Food Security.pptx
@@ -15,6 +15,7 @@
     <p:sldId id="260" r:id="rId11"/>
     <p:sldId id="261" r:id="rId12"/>
     <p:sldId id="262" r:id="rId13"/>
+    <p:sldId id="263" r:id="rId14"/>
   </p:sldIdLst>
   <p:sldSz cy="5143500" cx="9144000"/>
   <p:notesSz cx="6858000" cy="9144000"/>
@@ -994,7 +995,7 @@
   <p:cSld>
     <p:spTree>
       <p:nvGrpSpPr>
-        <p:cNvPr id="76" name="Shape 76"/>
+        <p:cNvPr id="74" name="Shape 74"/>
         <p:cNvGrpSpPr/>
         <p:nvPr/>
       </p:nvGrpSpPr>
@@ -1008,7 +1009,7 @@
       </p:grpSpPr>
       <p:sp>
         <p:nvSpPr>
-          <p:cNvPr id="77" name="Google Shape;77;g291a3297369_0_74:notes"/>
+          <p:cNvPr id="75" name="Google Shape;75;g290e20305a9_1_0:notes"/>
           <p:cNvSpPr/>
           <p:nvPr>
             <p:ph idx="2" type="sldImg"/>
@@ -1043,7 +1044,7 @@
       </p:sp>
       <p:sp>
         <p:nvSpPr>
-          <p:cNvPr id="78" name="Google Shape;78;g291a3297369_0_74:notes"/>
+          <p:cNvPr id="76" name="Google Shape;76;g290e20305a9_1_0:notes"/>
           <p:cNvSpPr txBox="1"/>
           <p:nvPr>
             <p:ph idx="1" type="body"/>
@@ -1093,7 +1094,7 @@
   <p:cSld>
     <p:spTree>
       <p:nvGrpSpPr>
-        <p:cNvPr id="84" name="Shape 84"/>
+        <p:cNvPr id="83" name="Shape 83"/>
         <p:cNvGrpSpPr/>
         <p:nvPr/>
       </p:nvGrpSpPr>
@@ -1107,7 +1108,7 @@
       </p:grpSpPr>
       <p:sp>
         <p:nvSpPr>
-          <p:cNvPr id="85" name="Google Shape;85;g291a3297369_0_50:notes"/>
+          <p:cNvPr id="84" name="Google Shape;84;g291a3297369_0_74:notes"/>
           <p:cNvSpPr/>
           <p:nvPr>
             <p:ph idx="2" type="sldImg"/>
@@ -1142,7 +1143,7 @@
       </p:sp>
       <p:sp>
         <p:nvSpPr>
-          <p:cNvPr id="86" name="Google Shape;86;g291a3297369_0_50:notes"/>
+          <p:cNvPr id="85" name="Google Shape;85;g291a3297369_0_74:notes"/>
           <p:cNvSpPr txBox="1"/>
           <p:nvPr>
             <p:ph idx="1" type="body"/>
@@ -1206,7 +1207,7 @@
       </p:grpSpPr>
       <p:sp>
         <p:nvSpPr>
-          <p:cNvPr id="92" name="Google Shape;92;g291a3297369_0_111:notes"/>
+          <p:cNvPr id="92" name="Google Shape;92;g291a3297369_0_50:notes"/>
           <p:cNvSpPr/>
           <p:nvPr>
             <p:ph idx="2" type="sldImg"/>
@@ -1241,7 +1242,7 @@
       </p:sp>
       <p:sp>
         <p:nvSpPr>
-          <p:cNvPr id="93" name="Google Shape;93;g291a3297369_0_111:notes"/>
+          <p:cNvPr id="93" name="Google Shape;93;g291a3297369_0_50:notes"/>
           <p:cNvSpPr txBox="1"/>
           <p:nvPr>
             <p:ph idx="1" type="body"/>
@@ -1291,7 +1292,7 @@
   <p:cSld>
     <p:spTree>
       <p:nvGrpSpPr>
-        <p:cNvPr id="99" name="Shape 99"/>
+        <p:cNvPr id="98" name="Shape 98"/>
         <p:cNvGrpSpPr/>
         <p:nvPr/>
       </p:nvGrpSpPr>
@@ -1305,7 +1306,7 @@
       </p:grpSpPr>
       <p:sp>
         <p:nvSpPr>
-          <p:cNvPr id="100" name="Google Shape;100;g290648affbb_0_13:notes"/>
+          <p:cNvPr id="99" name="Google Shape;99;g291a3297369_0_111:notes"/>
           <p:cNvSpPr/>
           <p:nvPr>
             <p:ph idx="2" type="sldImg"/>
@@ -1340,7 +1341,106 @@
       </p:sp>
       <p:sp>
         <p:nvSpPr>
-          <p:cNvPr id="101" name="Google Shape;101;g290648affbb_0_13:notes"/>
+          <p:cNvPr id="100" name="Google Shape;100;g291a3297369_0_111:notes"/>
+          <p:cNvSpPr txBox="1"/>
+          <p:nvPr>
+            <p:ph idx="1" type="body"/>
+          </p:nvPr>
+        </p:nvSpPr>
+        <p:spPr>
+          <a:xfrm>
+            <a:off x="685800" y="4343400"/>
+            <a:ext cx="5486400" cy="4114800"/>
+          </a:xfrm>
+          <a:prstGeom prst="rect">
+            <a:avLst/>
+          </a:prstGeom>
+        </p:spPr>
+        <p:txBody>
+          <a:bodyPr anchorCtr="0" anchor="t" bIns="91425" lIns="91425" spcFirstLastPara="1" rIns="91425" wrap="square" tIns="91425">
+            <a:noAutofit/>
+          </a:bodyPr>
+          <a:lstStyle/>
+          <a:p>
+            <a:pPr indent="0" lvl="0" marL="0" rtl="0" algn="l">
+              <a:spcBef>
+                <a:spcPts val="0"/>
+              </a:spcBef>
+              <a:spcAft>
+                <a:spcPts val="0"/>
+              </a:spcAft>
+              <a:buNone/>
+            </a:pPr>
+            <a:r>
+              <a:t/>
+            </a:r>
+            <a:endParaRPr/>
+          </a:p>
+        </p:txBody>
+      </p:sp>
+    </p:spTree>
+  </p:cSld>
+  <p:clrMapOvr>
+    <a:masterClrMapping/>
+  </p:clrMapOvr>
+</p:notes>
+</file>
+
+<file path=ppt/notesSlides/notesSlide8.xml><?xml version="1.0" encoding="utf-8"?>
+<p:notes xmlns:a="http://schemas.openxmlformats.org/drawingml/2006/main" xmlns:r="http://schemas.openxmlformats.org/officeDocument/2006/relationships" xmlns:mc="http://schemas.openxmlformats.org/markup-compatibility/2006" xmlns:mv="urn:schemas-microsoft-com:mac:vml" xmlns:p="http://schemas.openxmlformats.org/presentationml/2006/main" xmlns:c="http://schemas.openxmlformats.org/drawingml/2006/chart" xmlns:dgm="http://schemas.openxmlformats.org/drawingml/2006/diagram" xmlns:o="urn:schemas-microsoft-com:office:office" xmlns:v="urn:schemas-microsoft-com:vml" xmlns:pvml="urn:schemas-microsoft-com:office:powerpoint" xmlns:com="http://schemas.openxmlformats.org/drawingml/2006/compatibility" xmlns:p14="http://schemas.microsoft.com/office/powerpoint/2010/main" xmlns:p15="http://schemas.microsoft.com/office/powerpoint/2012/main" xmlns:ahyp="http://schemas.microsoft.com/office/drawing/2018/hyperlinkcolor" showMasterPhAnim="0" showMasterSp="0">
+  <p:cSld>
+    <p:spTree>
+      <p:nvGrpSpPr>
+        <p:cNvPr id="106" name="Shape 106"/>
+        <p:cNvGrpSpPr/>
+        <p:nvPr/>
+      </p:nvGrpSpPr>
+      <p:grpSpPr>
+        <a:xfrm>
+          <a:off x="0" y="0"/>
+          <a:ext cx="0" cy="0"/>
+          <a:chOff x="0" y="0"/>
+          <a:chExt cx="0" cy="0"/>
+        </a:xfrm>
+      </p:grpSpPr>
+      <p:sp>
+        <p:nvSpPr>
+          <p:cNvPr id="107" name="Google Shape;107;g290648affbb_0_13:notes"/>
+          <p:cNvSpPr/>
+          <p:nvPr>
+            <p:ph idx="2" type="sldImg"/>
+          </p:nvPr>
+        </p:nvSpPr>
+        <p:spPr>
+          <a:xfrm>
+            <a:off x="381300" y="685800"/>
+            <a:ext cx="6096000" cy="3429000"/>
+          </a:xfrm>
+          <a:custGeom>
+            <a:rect b="b" l="l" r="r" t="t"/>
+            <a:pathLst>
+              <a:path extrusionOk="0" h="120000" w="120000">
+                <a:moveTo>
+                  <a:pt x="0" y="0"/>
+                </a:moveTo>
+                <a:lnTo>
+                  <a:pt x="120000" y="0"/>
+                </a:lnTo>
+                <a:lnTo>
+                  <a:pt x="120000" y="120000"/>
+                </a:lnTo>
+                <a:lnTo>
+                  <a:pt x="0" y="120000"/>
+                </a:lnTo>
+                <a:close/>
+              </a:path>
+            </a:pathLst>
+          </a:custGeom>
+        </p:spPr>
+      </p:sp>
+      <p:sp>
+        <p:nvSpPr>
+          <p:cNvPr id="108" name="Google Shape;108;g290648affbb_0_13:notes"/>
           <p:cNvSpPr txBox="1"/>
           <p:nvPr>
             <p:ph idx="1" type="body"/>
@@ -6659,6 +6759,143 @@
             </a:pPr>
             <a:r>
               <a:rPr lang="en"/>
+              <a:t>Household Food Security by Income,</a:t>
+            </a:r>
+            <a:r>
+              <a:rPr lang="en"/>
+              <a:t> 2011-202</a:t>
+            </a:r>
+            <a:endParaRPr/>
+          </a:p>
+        </p:txBody>
+      </p:sp>
+      <p:sp>
+        <p:nvSpPr>
+          <p:cNvPr id="72" name="Google Shape;72;p15"/>
+          <p:cNvSpPr txBox="1"/>
+          <p:nvPr>
+            <p:ph idx="12" type="sldNum"/>
+          </p:nvPr>
+        </p:nvSpPr>
+        <p:spPr>
+          <a:xfrm>
+            <a:off x="8472458" y="4663217"/>
+            <a:ext cx="548700" cy="393600"/>
+          </a:xfrm>
+          <a:prstGeom prst="rect">
+            <a:avLst/>
+          </a:prstGeom>
+        </p:spPr>
+        <p:txBody>
+          <a:bodyPr anchorCtr="0" anchor="ctr" bIns="91425" lIns="91425" spcFirstLastPara="1" rIns="91425" wrap="square" tIns="91425">
+            <a:normAutofit/>
+          </a:bodyPr>
+          <a:lstStyle/>
+          <a:p>
+            <a:pPr indent="0" lvl="0" marL="0" rtl="0" algn="r">
+              <a:spcBef>
+                <a:spcPts val="0"/>
+              </a:spcBef>
+              <a:spcAft>
+                <a:spcPts val="0"/>
+              </a:spcAft>
+              <a:buNone/>
+            </a:pPr>
+            <a:fld id="{00000000-1234-1234-1234-123412341234}" type="slidenum">
+              <a:rPr lang="en"/>
+              <a:t>‹#›</a:t>
+            </a:fld>
+            <a:endParaRPr/>
+          </a:p>
+        </p:txBody>
+      </p:sp>
+      <p:pic>
+        <p:nvPicPr>
+          <p:cNvPr id="73" name="Google Shape;73;p15"/>
+          <p:cNvPicPr preferRelativeResize="0"/>
+          <p:nvPr/>
+        </p:nvPicPr>
+        <p:blipFill>
+          <a:blip r:embed="rId3">
+            <a:alphaModFix/>
+          </a:blip>
+          <a:stretch>
+            <a:fillRect/>
+          </a:stretch>
+        </p:blipFill>
+        <p:spPr>
+          <a:xfrm>
+            <a:off x="660804" y="1519625"/>
+            <a:ext cx="7822391" cy="3471475"/>
+          </a:xfrm>
+          <a:prstGeom prst="rect">
+            <a:avLst/>
+          </a:prstGeom>
+          <a:noFill/>
+          <a:ln>
+            <a:noFill/>
+          </a:ln>
+        </p:spPr>
+      </p:pic>
+    </p:spTree>
+  </p:cSld>
+  <p:clrMapOvr>
+    <a:masterClrMapping/>
+  </p:clrMapOvr>
+</p:sld>
+</file>
+
+<file path=ppt/slides/slide4.xml><?xml version="1.0" encoding="utf-8"?>
+<p:sld xmlns:a="http://schemas.openxmlformats.org/drawingml/2006/main" xmlns:r="http://schemas.openxmlformats.org/officeDocument/2006/relationships" xmlns:mc="http://schemas.openxmlformats.org/markup-compatibility/2006" xmlns:mv="urn:schemas-microsoft-com:mac:vml" xmlns:p="http://schemas.openxmlformats.org/presentationml/2006/main" xmlns:c="http://schemas.openxmlformats.org/drawingml/2006/chart" xmlns:dgm="http://schemas.openxmlformats.org/drawingml/2006/diagram" xmlns:o="urn:schemas-microsoft-com:office:office" xmlns:v="urn:schemas-microsoft-com:vml" xmlns:pvml="urn:schemas-microsoft-com:office:powerpoint" xmlns:com="http://schemas.openxmlformats.org/drawingml/2006/compatibility" xmlns:p14="http://schemas.microsoft.com/office/powerpoint/2010/main" xmlns:p15="http://schemas.microsoft.com/office/powerpoint/2012/main" xmlns:ahyp="http://schemas.microsoft.com/office/drawing/2018/hyperlinkcolor">
+  <p:cSld>
+    <p:spTree>
+      <p:nvGrpSpPr>
+        <p:cNvPr id="77" name="Shape 77"/>
+        <p:cNvGrpSpPr/>
+        <p:nvPr/>
+      </p:nvGrpSpPr>
+      <p:grpSpPr>
+        <a:xfrm>
+          <a:off x="0" y="0"/>
+          <a:ext cx="0" cy="0"/>
+          <a:chOff x="0" y="0"/>
+          <a:chExt cx="0" cy="0"/>
+        </a:xfrm>
+      </p:grpSpPr>
+      <p:sp>
+        <p:nvSpPr>
+          <p:cNvPr id="78" name="Google Shape;78;p16"/>
+          <p:cNvSpPr txBox="1"/>
+          <p:nvPr>
+            <p:ph type="title"/>
+          </p:nvPr>
+        </p:nvSpPr>
+        <p:spPr>
+          <a:xfrm>
+            <a:off x="311700" y="445025"/>
+            <a:ext cx="8520600" cy="922200"/>
+          </a:xfrm>
+          <a:prstGeom prst="rect">
+            <a:avLst/>
+          </a:prstGeom>
+        </p:spPr>
+        <p:txBody>
+          <a:bodyPr anchorCtr="0" anchor="t" bIns="91425" lIns="91425" spcFirstLastPara="1" rIns="91425" wrap="square" tIns="91425">
+            <a:normAutofit/>
+          </a:bodyPr>
+          <a:lstStyle/>
+          <a:p>
+            <a:pPr indent="0" lvl="0" marL="0" rtl="0" algn="ctr">
+              <a:spcBef>
+                <a:spcPts val="0"/>
+              </a:spcBef>
+              <a:spcAft>
+                <a:spcPts val="0"/>
+              </a:spcAft>
+              <a:buNone/>
+            </a:pPr>
+            <a:r>
+              <a:rPr lang="en"/>
               <a:t>Households with Children in 2021</a:t>
             </a:r>
             <a:endParaRPr/>
@@ -6667,7 +6904,7 @@
       </p:sp>
       <p:sp>
         <p:nvSpPr>
-          <p:cNvPr id="72" name="Google Shape;72;p15"/>
+          <p:cNvPr id="79" name="Google Shape;79;p16"/>
           <p:cNvSpPr txBox="1"/>
           <p:nvPr/>
         </p:nvSpPr>
@@ -6709,7 +6946,7 @@
       </p:sp>
       <p:sp>
         <p:nvSpPr>
-          <p:cNvPr id="73" name="Google Shape;73;p15"/>
+          <p:cNvPr id="80" name="Google Shape;80;p16"/>
           <p:cNvSpPr txBox="1"/>
           <p:nvPr>
             <p:ph idx="12" type="sldNum"/>
@@ -6749,7 +6986,7 @@
       </p:sp>
       <p:sp>
         <p:nvSpPr>
-          <p:cNvPr id="74" name="Google Shape;74;p15"/>
+          <p:cNvPr id="81" name="Google Shape;81;p16"/>
           <p:cNvSpPr txBox="1"/>
           <p:nvPr/>
         </p:nvSpPr>
@@ -6968,7 +7205,7 @@
       </p:sp>
       <p:pic>
         <p:nvPicPr>
-          <p:cNvPr id="75" name="Google Shape;75;p15"/>
+          <p:cNvPr id="82" name="Google Shape;82;p16"/>
           <p:cNvPicPr preferRelativeResize="0"/>
           <p:nvPr/>
         </p:nvPicPr>
@@ -7002,12 +7239,12 @@
 </p:sld>
 </file>
 
-<file path=ppt/slides/slide4.xml><?xml version="1.0" encoding="utf-8"?>
+<file path=ppt/slides/slide5.xml><?xml version="1.0" encoding="utf-8"?>
 <p:sld xmlns:a="http://schemas.openxmlformats.org/drawingml/2006/main" xmlns:r="http://schemas.openxmlformats.org/officeDocument/2006/relationships" xmlns:mc="http://schemas.openxmlformats.org/markup-compatibility/2006" xmlns:mv="urn:schemas-microsoft-com:mac:vml" xmlns:p="http://schemas.openxmlformats.org/presentationml/2006/main" xmlns:c="http://schemas.openxmlformats.org/drawingml/2006/chart" xmlns:dgm="http://schemas.openxmlformats.org/drawingml/2006/diagram" xmlns:o="urn:schemas-microsoft-com:office:office" xmlns:v="urn:schemas-microsoft-com:vml" xmlns:pvml="urn:schemas-microsoft-com:office:powerpoint" xmlns:com="http://schemas.openxmlformats.org/drawingml/2006/compatibility" xmlns:p14="http://schemas.microsoft.com/office/powerpoint/2010/main" xmlns:p15="http://schemas.microsoft.com/office/powerpoint/2012/main" xmlns:ahyp="http://schemas.microsoft.com/office/drawing/2018/hyperlinkcolor">
   <p:cSld>
     <p:spTree>
       <p:nvGrpSpPr>
-        <p:cNvPr id="79" name="Shape 79"/>
+        <p:cNvPr id="86" name="Shape 86"/>
         <p:cNvGrpSpPr/>
         <p:nvPr/>
       </p:nvGrpSpPr>
@@ -7021,7 +7258,7 @@
       </p:grpSpPr>
       <p:sp>
         <p:nvSpPr>
-          <p:cNvPr id="80" name="Google Shape;80;p16"/>
+          <p:cNvPr id="87" name="Google Shape;87;p17"/>
           <p:cNvSpPr txBox="1"/>
           <p:nvPr>
             <p:ph type="title"/>
@@ -7065,7 +7302,7 @@
       </p:sp>
       <p:sp>
         <p:nvSpPr>
-          <p:cNvPr id="81" name="Google Shape;81;p16"/>
+          <p:cNvPr id="88" name="Google Shape;88;p17"/>
           <p:cNvSpPr txBox="1"/>
           <p:nvPr>
             <p:ph idx="12" type="sldNum"/>
@@ -7105,7 +7342,7 @@
       </p:sp>
       <p:graphicFrame>
         <p:nvGraphicFramePr>
-          <p:cNvPr id="82" name="Google Shape;82;p16"/>
+          <p:cNvPr id="89" name="Google Shape;89;p17"/>
           <p:cNvGraphicFramePr/>
           <p:nvPr/>
         </p:nvGraphicFramePr>
@@ -7118,7 +7355,7 @@
             <a:tbl>
               <a:tblPr>
                 <a:noFill/>
-                <a:tableStyleId>{FDAF580B-B676-45D8-A27A-7818976680BB}</a:tableStyleId>
+                <a:tableStyleId>{A7E7CF6D-5F47-4A88-84AD-D1E4E8F83584}</a:tableStyleId>
               </a:tblPr>
               <a:tblGrid>
                 <a:gridCol w="1224450"/>
@@ -7771,7 +8008,7 @@
       </p:graphicFrame>
       <p:pic>
         <p:nvPicPr>
-          <p:cNvPr id="83" name="Google Shape;83;p16"/>
+          <p:cNvPr id="90" name="Google Shape;90;p17"/>
           <p:cNvPicPr preferRelativeResize="0"/>
           <p:nvPr/>
         </p:nvPicPr>
@@ -7805,12 +8042,12 @@
 </p:sld>
 </file>
 
-<file path=ppt/slides/slide5.xml><?xml version="1.0" encoding="utf-8"?>
+<file path=ppt/slides/slide6.xml><?xml version="1.0" encoding="utf-8"?>
 <p:sld xmlns:a="http://schemas.openxmlformats.org/drawingml/2006/main" xmlns:r="http://schemas.openxmlformats.org/officeDocument/2006/relationships" xmlns:mc="http://schemas.openxmlformats.org/markup-compatibility/2006" xmlns:mv="urn:schemas-microsoft-com:mac:vml" xmlns:p="http://schemas.openxmlformats.org/presentationml/2006/main" xmlns:c="http://schemas.openxmlformats.org/drawingml/2006/chart" xmlns:dgm="http://schemas.openxmlformats.org/drawingml/2006/diagram" xmlns:o="urn:schemas-microsoft-com:office:office" xmlns:v="urn:schemas-microsoft-com:vml" xmlns:pvml="urn:schemas-microsoft-com:office:powerpoint" xmlns:com="http://schemas.openxmlformats.org/drawingml/2006/compatibility" xmlns:p14="http://schemas.microsoft.com/office/powerpoint/2010/main" xmlns:p15="http://schemas.microsoft.com/office/powerpoint/2012/main" xmlns:ahyp="http://schemas.microsoft.com/office/drawing/2018/hyperlinkcolor">
   <p:cSld>
     <p:spTree>
       <p:nvGrpSpPr>
-        <p:cNvPr id="87" name="Shape 87"/>
+        <p:cNvPr id="94" name="Shape 94"/>
         <p:cNvGrpSpPr/>
         <p:nvPr/>
       </p:nvGrpSpPr>
@@ -7824,7 +8061,7 @@
       </p:grpSpPr>
       <p:sp>
         <p:nvSpPr>
-          <p:cNvPr id="88" name="Google Shape;88;p17"/>
+          <p:cNvPr id="95" name="Google Shape;95;p18"/>
           <p:cNvSpPr txBox="1"/>
           <p:nvPr>
             <p:ph type="title"/>
@@ -7864,7 +8101,7 @@
       </p:sp>
       <p:sp>
         <p:nvSpPr>
-          <p:cNvPr id="89" name="Google Shape;89;p17"/>
+          <p:cNvPr id="96" name="Google Shape;96;p18"/>
           <p:cNvSpPr txBox="1"/>
           <p:nvPr>
             <p:ph idx="12" type="sldNum"/>
@@ -7904,7 +8141,7 @@
       </p:sp>
       <p:sp>
         <p:nvSpPr>
-          <p:cNvPr id="90" name="Google Shape;90;p17"/>
+          <p:cNvPr id="97" name="Google Shape;97;p18"/>
           <p:cNvSpPr txBox="1"/>
           <p:nvPr/>
         </p:nvSpPr>
@@ -8028,12 +8265,12 @@
 </p:sld>
 </file>
 
-<file path=ppt/slides/slide6.xml><?xml version="1.0" encoding="utf-8"?>
+<file path=ppt/slides/slide7.xml><?xml version="1.0" encoding="utf-8"?>
 <p:sld xmlns:a="http://schemas.openxmlformats.org/drawingml/2006/main" xmlns:r="http://schemas.openxmlformats.org/officeDocument/2006/relationships" xmlns:mc="http://schemas.openxmlformats.org/markup-compatibility/2006" xmlns:mv="urn:schemas-microsoft-com:mac:vml" xmlns:p="http://schemas.openxmlformats.org/presentationml/2006/main" xmlns:c="http://schemas.openxmlformats.org/drawingml/2006/chart" xmlns:dgm="http://schemas.openxmlformats.org/drawingml/2006/diagram" xmlns:o="urn:schemas-microsoft-com:office:office" xmlns:v="urn:schemas-microsoft-com:vml" xmlns:pvml="urn:schemas-microsoft-com:office:powerpoint" xmlns:com="http://schemas.openxmlformats.org/drawingml/2006/compatibility" xmlns:p14="http://schemas.microsoft.com/office/powerpoint/2010/main" xmlns:p15="http://schemas.microsoft.com/office/powerpoint/2012/main" xmlns:ahyp="http://schemas.microsoft.com/office/drawing/2018/hyperlinkcolor">
   <p:cSld>
     <p:spTree>
       <p:nvGrpSpPr>
-        <p:cNvPr id="94" name="Shape 94"/>
+        <p:cNvPr id="101" name="Shape 101"/>
         <p:cNvGrpSpPr/>
         <p:nvPr/>
       </p:nvGrpSpPr>
@@ -8047,7 +8284,7 @@
       </p:grpSpPr>
       <p:sp>
         <p:nvSpPr>
-          <p:cNvPr id="95" name="Google Shape;95;p18"/>
+          <p:cNvPr id="102" name="Google Shape;102;p19"/>
           <p:cNvSpPr txBox="1"/>
           <p:nvPr>
             <p:ph type="title"/>
@@ -8087,7 +8324,7 @@
       </p:sp>
       <p:sp>
         <p:nvSpPr>
-          <p:cNvPr id="96" name="Google Shape;96;p18"/>
+          <p:cNvPr id="103" name="Google Shape;103;p19"/>
           <p:cNvSpPr txBox="1"/>
           <p:nvPr>
             <p:ph idx="12" type="sldNum"/>
@@ -8127,7 +8364,7 @@
       </p:sp>
       <p:sp>
         <p:nvSpPr>
-          <p:cNvPr id="97" name="Google Shape;97;p18"/>
+          <p:cNvPr id="104" name="Google Shape;104;p19"/>
           <p:cNvSpPr txBox="1"/>
           <p:nvPr/>
         </p:nvSpPr>
@@ -8299,7 +8536,7 @@
       </p:sp>
       <p:pic>
         <p:nvPicPr>
-          <p:cNvPr id="98" name="Google Shape;98;p18"/>
+          <p:cNvPr id="105" name="Google Shape;105;p19"/>
           <p:cNvPicPr preferRelativeResize="0"/>
           <p:nvPr/>
         </p:nvPicPr>
@@ -8333,12 +8570,12 @@
 </p:sld>
 </file>
 
-<file path=ppt/slides/slide7.xml><?xml version="1.0" encoding="utf-8"?>
+<file path=ppt/slides/slide8.xml><?xml version="1.0" encoding="utf-8"?>
 <p:sld xmlns:a="http://schemas.openxmlformats.org/drawingml/2006/main" xmlns:r="http://schemas.openxmlformats.org/officeDocument/2006/relationships" xmlns:mc="http://schemas.openxmlformats.org/markup-compatibility/2006" xmlns:mv="urn:schemas-microsoft-com:mac:vml" xmlns:p="http://schemas.openxmlformats.org/presentationml/2006/main" xmlns:c="http://schemas.openxmlformats.org/drawingml/2006/chart" xmlns:dgm="http://schemas.openxmlformats.org/drawingml/2006/diagram" xmlns:o="urn:schemas-microsoft-com:office:office" xmlns:v="urn:schemas-microsoft-com:vml" xmlns:pvml="urn:schemas-microsoft-com:office:powerpoint" xmlns:com="http://schemas.openxmlformats.org/drawingml/2006/compatibility" xmlns:p14="http://schemas.microsoft.com/office/powerpoint/2010/main" xmlns:p15="http://schemas.microsoft.com/office/powerpoint/2012/main" xmlns:ahyp="http://schemas.microsoft.com/office/drawing/2018/hyperlinkcolor">
   <p:cSld>
     <p:spTree>
       <p:nvGrpSpPr>
-        <p:cNvPr id="102" name="Shape 102"/>
+        <p:cNvPr id="109" name="Shape 109"/>
         <p:cNvGrpSpPr/>
         <p:nvPr/>
       </p:nvGrpSpPr>
@@ -8352,7 +8589,7 @@
       </p:grpSpPr>
       <p:sp>
         <p:nvSpPr>
-          <p:cNvPr id="103" name="Google Shape;103;p19"/>
+          <p:cNvPr id="110" name="Google Shape;110;p20"/>
           <p:cNvSpPr txBox="1"/>
           <p:nvPr>
             <p:ph type="title"/>
@@ -8392,7 +8629,7 @@
       </p:sp>
       <p:sp>
         <p:nvSpPr>
-          <p:cNvPr id="104" name="Google Shape;104;p19"/>
+          <p:cNvPr id="111" name="Google Shape;111;p20"/>
           <p:cNvSpPr txBox="1"/>
           <p:nvPr>
             <p:ph idx="1" type="body"/>
@@ -8524,7 +8761,7 @@
       </p:sp>
       <p:sp>
         <p:nvSpPr>
-          <p:cNvPr id="105" name="Google Shape;105;p19"/>
+          <p:cNvPr id="112" name="Google Shape;112;p20"/>
           <p:cNvSpPr txBox="1"/>
           <p:nvPr>
             <p:ph idx="12" type="sldNum"/>
@@ -8571,6 +8808,285 @@
 </file>
 
 <file path=ppt/theme/theme1.xml><?xml version="1.0" encoding="utf-8"?>
+<a:theme xmlns:a="http://schemas.openxmlformats.org/drawingml/2006/main" xmlns:r="http://schemas.openxmlformats.org/officeDocument/2006/relationships" name="Simple Light">
+  <a:themeElements>
+    <a:clrScheme name="Simple Light">
+      <a:dk1>
+        <a:srgbClr val="000000"/>
+      </a:dk1>
+      <a:lt1>
+        <a:srgbClr val="FFFFFF"/>
+      </a:lt1>
+      <a:dk2>
+        <a:srgbClr val="595959"/>
+      </a:dk2>
+      <a:lt2>
+        <a:srgbClr val="EEEEEE"/>
+      </a:lt2>
+      <a:accent1>
+        <a:srgbClr val="4285F4"/>
+      </a:accent1>
+      <a:accent2>
+        <a:srgbClr val="212121"/>
+      </a:accent2>
+      <a:accent3>
+        <a:srgbClr val="78909C"/>
+      </a:accent3>
+      <a:accent4>
+        <a:srgbClr val="FFAB40"/>
+      </a:accent4>
+      <a:accent5>
+        <a:srgbClr val="0097A7"/>
+      </a:accent5>
+      <a:accent6>
+        <a:srgbClr val="EEFF41"/>
+      </a:accent6>
+      <a:hlink>
+        <a:srgbClr val="0097A7"/>
+      </a:hlink>
+      <a:folHlink>
+        <a:srgbClr val="0097A7"/>
+      </a:folHlink>
+    </a:clrScheme>
+    <a:fontScheme name="Office">
+      <a:majorFont>
+        <a:latin typeface="Arial"/>
+        <a:ea typeface=""/>
+        <a:cs typeface=""/>
+        <a:font script="Jpan" typeface="ＭＳ Ｐゴシック"/>
+        <a:font script="Hang" typeface="맑은 고딕"/>
+        <a:font script="Hans" typeface="宋体"/>
+        <a:font script="Hant" typeface="新細明體"/>
+        <a:font script="Arab" typeface="Times New Roman"/>
+        <a:font script="Hebr" typeface="Times New Roman"/>
+        <a:font script="Thai" typeface="Angsana New"/>
+        <a:font script="Ethi" typeface="Nyala"/>
+        <a:font script="Beng" typeface="Vrinda"/>
+        <a:font script="Gujr" typeface="Shruti"/>
+        <a:font script="Khmr" typeface="MoolBoran"/>
+        <a:font script="Knda" typeface="Tunga"/>
+        <a:font script="Guru" typeface="Raavi"/>
+        <a:font script="Cans" typeface="Euphemia"/>
+        <a:font script="Cher" typeface="Plantagenet Cherokee"/>
+        <a:font script="Yiii" typeface="Microsoft Yi Baiti"/>
+        <a:font script="Tibt" typeface="Microsoft Himalaya"/>
+        <a:font script="Thaa" typeface="MV Boli"/>
+        <a:font script="Deva" typeface="Mangal"/>
+        <a:font script="Telu" typeface="Gautami"/>
+        <a:font script="Taml" typeface="Latha"/>
+        <a:font script="Syrc" typeface="Estrangelo Edessa"/>
+        <a:font script="Orya" typeface="Kalinga"/>
+        <a:font script="Mlym" typeface="Kartika"/>
+        <a:font script="Laoo" typeface="DokChampa"/>
+        <a:font script="Sinh" typeface="Iskoola Pota"/>
+        <a:font script="Mong" typeface="Mongolian Baiti"/>
+        <a:font script="Viet" typeface="Times New Roman"/>
+        <a:font script="Uigh" typeface="Microsoft Uighur"/>
+        <a:font script="Geor" typeface="Sylfaen"/>
+      </a:majorFont>
+      <a:minorFont>
+        <a:latin typeface="Arial"/>
+        <a:ea typeface=""/>
+        <a:cs typeface=""/>
+        <a:font script="Jpan" typeface="ＭＳ Ｐゴシック"/>
+        <a:font script="Hang" typeface="맑은 고딕"/>
+        <a:font script="Hans" typeface="宋体"/>
+        <a:font script="Hant" typeface="新細明體"/>
+        <a:font script="Arab" typeface="Arial"/>
+        <a:font script="Hebr" typeface="Arial"/>
+        <a:font script="Thai" typeface="Cordia New"/>
+        <a:font script="Ethi" typeface="Nyala"/>
+        <a:font script="Beng" typeface="Vrinda"/>
+        <a:font script="Gujr" typeface="Shruti"/>
+        <a:font script="Khmr" typeface="DaunPenh"/>
+        <a:font script="Knda" typeface="Tunga"/>
+        <a:font script="Guru" typeface="Raavi"/>
+        <a:font script="Cans" typeface="Euphemia"/>
+        <a:font script="Cher" typeface="Plantagenet Cherokee"/>
+        <a:font script="Yiii" typeface="Microsoft Yi Baiti"/>
+        <a:font script="Tibt" typeface="Microsoft Himalaya"/>
+        <a:font script="Thaa" typeface="MV Boli"/>
+        <a:font script="Deva" typeface="Mangal"/>
+        <a:font script="Telu" typeface="Gautami"/>
+        <a:font script="Taml" typeface="Latha"/>
+        <a:font script="Syrc" typeface="Estrangelo Edessa"/>
+        <a:font script="Orya" typeface="Kalinga"/>
+        <a:font script="Mlym" typeface="Kartika"/>
+        <a:font script="Laoo" typeface="DokChampa"/>
+        <a:font script="Sinh" typeface="Iskoola Pota"/>
+        <a:font script="Mong" typeface="Mongolian Baiti"/>
+        <a:font script="Viet" typeface="Arial"/>
+        <a:font script="Uigh" typeface="Microsoft Uighur"/>
+        <a:font script="Geor" typeface="Sylfaen"/>
+      </a:minorFont>
+    </a:fontScheme>
+    <a:fmtScheme name="Office">
+      <a:fillStyleLst>
+        <a:solidFill>
+          <a:schemeClr val="phClr"/>
+        </a:solidFill>
+        <a:gradFill rotWithShape="1">
+          <a:gsLst>
+            <a:gs pos="0">
+              <a:schemeClr val="phClr">
+                <a:tint val="50000"/>
+                <a:satMod val="300000"/>
+              </a:schemeClr>
+            </a:gs>
+            <a:gs pos="35000">
+              <a:schemeClr val="phClr">
+                <a:tint val="37000"/>
+                <a:satMod val="300000"/>
+              </a:schemeClr>
+            </a:gs>
+            <a:gs pos="100000">
+              <a:schemeClr val="phClr">
+                <a:tint val="15000"/>
+                <a:satMod val="350000"/>
+              </a:schemeClr>
+            </a:gs>
+          </a:gsLst>
+          <a:lin ang="16200000" scaled="1"/>
+        </a:gradFill>
+        <a:gradFill rotWithShape="1">
+          <a:gsLst>
+            <a:gs pos="0">
+              <a:schemeClr val="phClr">
+                <a:tint val="100000"/>
+                <a:shade val="100000"/>
+                <a:satMod val="130000"/>
+              </a:schemeClr>
+            </a:gs>
+            <a:gs pos="100000">
+              <a:schemeClr val="phClr">
+                <a:tint val="50000"/>
+                <a:shade val="100000"/>
+                <a:satMod val="350000"/>
+              </a:schemeClr>
+            </a:gs>
+          </a:gsLst>
+          <a:lin ang="16200000" scaled="0"/>
+        </a:gradFill>
+      </a:fillStyleLst>
+      <a:lnStyleLst>
+        <a:ln w="9525" cap="flat" cmpd="sng" algn="ctr">
+          <a:solidFill>
+            <a:schemeClr val="phClr">
+              <a:shade val="95000"/>
+              <a:satMod val="105000"/>
+            </a:schemeClr>
+          </a:solidFill>
+          <a:prstDash val="solid"/>
+        </a:ln>
+        <a:ln w="25400" cap="flat" cmpd="sng" algn="ctr">
+          <a:solidFill>
+            <a:schemeClr val="phClr"/>
+          </a:solidFill>
+          <a:prstDash val="solid"/>
+        </a:ln>
+        <a:ln w="38100" cap="flat" cmpd="sng" algn="ctr">
+          <a:solidFill>
+            <a:schemeClr val="phClr"/>
+          </a:solidFill>
+          <a:prstDash val="solid"/>
+        </a:ln>
+      </a:lnStyleLst>
+      <a:effectStyleLst>
+        <a:effectStyle>
+          <a:effectLst>
+            <a:outerShdw blurRad="40000" dist="20000" dir="5400000" rotWithShape="0">
+              <a:srgbClr val="000000">
+                <a:alpha val="38000"/>
+              </a:srgbClr>
+            </a:outerShdw>
+          </a:effectLst>
+        </a:effectStyle>
+        <a:effectStyle>
+          <a:effectLst>
+            <a:outerShdw blurRad="40000" dist="23000" dir="5400000" rotWithShape="0">
+              <a:srgbClr val="000000">
+                <a:alpha val="35000"/>
+              </a:srgbClr>
+            </a:outerShdw>
+          </a:effectLst>
+        </a:effectStyle>
+        <a:effectStyle>
+          <a:effectLst>
+            <a:outerShdw blurRad="40000" dist="23000" dir="5400000" rotWithShape="0">
+              <a:srgbClr val="000000">
+                <a:alpha val="35000"/>
+              </a:srgbClr>
+            </a:outerShdw>
+          </a:effectLst>
+          <a:scene3d>
+            <a:camera prst="orthographicFront">
+              <a:rot lat="0" lon="0" rev="0"/>
+            </a:camera>
+            <a:lightRig rig="threePt" dir="t">
+              <a:rot lat="0" lon="0" rev="1200000"/>
+            </a:lightRig>
+          </a:scene3d>
+          <a:sp3d>
+            <a:bevelT w="63500" h="25400"/>
+          </a:sp3d>
+        </a:effectStyle>
+      </a:effectStyleLst>
+      <a:bgFillStyleLst>
+        <a:solidFill>
+          <a:schemeClr val="phClr"/>
+        </a:solidFill>
+        <a:gradFill rotWithShape="1">
+          <a:gsLst>
+            <a:gs pos="0">
+              <a:schemeClr val="phClr">
+                <a:tint val="40000"/>
+                <a:satMod val="350000"/>
+              </a:schemeClr>
+            </a:gs>
+            <a:gs pos="40000">
+              <a:schemeClr val="phClr">
+                <a:tint val="45000"/>
+                <a:shade val="99000"/>
+                <a:satMod val="350000"/>
+              </a:schemeClr>
+            </a:gs>
+            <a:gs pos="100000">
+              <a:schemeClr val="phClr">
+                <a:shade val="20000"/>
+                <a:satMod val="255000"/>
+              </a:schemeClr>
+            </a:gs>
+          </a:gsLst>
+          <a:path path="circle">
+            <a:fillToRect l="50000" t="-80000" r="50000" b="180000"/>
+          </a:path>
+        </a:gradFill>
+        <a:gradFill rotWithShape="1">
+          <a:gsLst>
+            <a:gs pos="0">
+              <a:schemeClr val="phClr">
+                <a:tint val="80000"/>
+                <a:satMod val="300000"/>
+              </a:schemeClr>
+            </a:gs>
+            <a:gs pos="100000">
+              <a:schemeClr val="phClr">
+                <a:shade val="30000"/>
+                <a:satMod val="200000"/>
+              </a:schemeClr>
+            </a:gs>
+          </a:gsLst>
+          <a:path path="circle">
+            <a:fillToRect l="50000" t="50000" r="50000" b="50000"/>
+          </a:path>
+        </a:gradFill>
+      </a:bgFillStyleLst>
+    </a:fmtScheme>
+  </a:themeElements>
+</a:theme>
+</file>
+
+<file path=ppt/theme/theme2.xml><?xml version="1.0" encoding="utf-8"?>
 <a:theme xmlns:a="http://schemas.openxmlformats.org/drawingml/2006/main" xmlns:r="http://schemas.openxmlformats.org/officeDocument/2006/relationships">
   <a:themeElements>
     <a:clrScheme name="Default">
@@ -8847,283 +9363,4 @@
     </a:fmtScheme>
   </a:themeElements>
 </a:theme>
-</file>
-
-<file path=ppt/theme/theme2.xml><?xml version="1.0" encoding="utf-8"?>
-<a:theme xmlns:a="http://schemas.openxmlformats.org/drawingml/2006/main" xmlns:r="http://schemas.openxmlformats.org/officeDocument/2006/relationships" name="Simple Light">
-  <a:themeElements>
-    <a:clrScheme name="Simple Light">
-      <a:dk1>
-        <a:srgbClr val="000000"/>
-      </a:dk1>
-      <a:lt1>
-        <a:srgbClr val="FFFFFF"/>
-      </a:lt1>
-      <a:dk2>
-        <a:srgbClr val="595959"/>
-      </a:dk2>
-      <a:lt2>
-        <a:srgbClr val="EEEEEE"/>
-      </a:lt2>
-      <a:accent1>
-        <a:srgbClr val="4285F4"/>
-      </a:accent1>
-      <a:accent2>
-        <a:srgbClr val="212121"/>
-      </a:accent2>
-      <a:accent3>
-        <a:srgbClr val="78909C"/>
-      </a:accent3>
-      <a:accent4>
-        <a:srgbClr val="FFAB40"/>
-      </a:accent4>
-      <a:accent5>
-        <a:srgbClr val="0097A7"/>
-      </a:accent5>
-      <a:accent6>
-        <a:srgbClr val="EEFF41"/>
-      </a:accent6>
-      <a:hlink>
-        <a:srgbClr val="0097A7"/>
-      </a:hlink>
-      <a:folHlink>
-        <a:srgbClr val="0097A7"/>
-      </a:folHlink>
-    </a:clrScheme>
-    <a:fontScheme name="Office">
-      <a:majorFont>
-        <a:latin typeface="Arial"/>
-        <a:ea typeface=""/>
-        <a:cs typeface=""/>
-        <a:font script="Jpan" typeface="ＭＳ Ｐゴシック"/>
-        <a:font script="Hang" typeface="맑은 고딕"/>
-        <a:font script="Hans" typeface="宋体"/>
-        <a:font script="Hant" typeface="新細明體"/>
-        <a:font script="Arab" typeface="Times New Roman"/>
-        <a:font script="Hebr" typeface="Times New Roman"/>
-        <a:font script="Thai" typeface="Angsana New"/>
-        <a:font script="Ethi" typeface="Nyala"/>
-        <a:font script="Beng" typeface="Vrinda"/>
-        <a:font script="Gujr" typeface="Shruti"/>
-        <a:font script="Khmr" typeface="MoolBoran"/>
-        <a:font script="Knda" typeface="Tunga"/>
-        <a:font script="Guru" typeface="Raavi"/>
-        <a:font script="Cans" typeface="Euphemia"/>
-        <a:font script="Cher" typeface="Plantagenet Cherokee"/>
-        <a:font script="Yiii" typeface="Microsoft Yi Baiti"/>
-        <a:font script="Tibt" typeface="Microsoft Himalaya"/>
-        <a:font script="Thaa" typeface="MV Boli"/>
-        <a:font script="Deva" typeface="Mangal"/>
-        <a:font script="Telu" typeface="Gautami"/>
-        <a:font script="Taml" typeface="Latha"/>
-        <a:font script="Syrc" typeface="Estrangelo Edessa"/>
-        <a:font script="Orya" typeface="Kalinga"/>
-        <a:font script="Mlym" typeface="Kartika"/>
-        <a:font script="Laoo" typeface="DokChampa"/>
-        <a:font script="Sinh" typeface="Iskoola Pota"/>
-        <a:font script="Mong" typeface="Mongolian Baiti"/>
-        <a:font script="Viet" typeface="Times New Roman"/>
-        <a:font script="Uigh" typeface="Microsoft Uighur"/>
-        <a:font script="Geor" typeface="Sylfaen"/>
-      </a:majorFont>
-      <a:minorFont>
-        <a:latin typeface="Arial"/>
-        <a:ea typeface=""/>
-        <a:cs typeface=""/>
-        <a:font script="Jpan" typeface="ＭＳ Ｐゴシック"/>
-        <a:font script="Hang" typeface="맑은 고딕"/>
-        <a:font script="Hans" typeface="宋体"/>
-        <a:font script="Hant" typeface="新細明體"/>
-        <a:font script="Arab" typeface="Arial"/>
-        <a:font script="Hebr" typeface="Arial"/>
-        <a:font script="Thai" typeface="Cordia New"/>
-        <a:font script="Ethi" typeface="Nyala"/>
-        <a:font script="Beng" typeface="Vrinda"/>
-        <a:font script="Gujr" typeface="Shruti"/>
-        <a:font script="Khmr" typeface="DaunPenh"/>
-        <a:font script="Knda" typeface="Tunga"/>
-        <a:font script="Guru" typeface="Raavi"/>
-        <a:font script="Cans" typeface="Euphemia"/>
-        <a:font script="Cher" typeface="Plantagenet Cherokee"/>
-        <a:font script="Yiii" typeface="Microsoft Yi Baiti"/>
-        <a:font script="Tibt" typeface="Microsoft Himalaya"/>
-        <a:font script="Thaa" typeface="MV Boli"/>
-        <a:font script="Deva" typeface="Mangal"/>
-        <a:font script="Telu" typeface="Gautami"/>
-        <a:font script="Taml" typeface="Latha"/>
-        <a:font script="Syrc" typeface="Estrangelo Edessa"/>
-        <a:font script="Orya" typeface="Kalinga"/>
-        <a:font script="Mlym" typeface="Kartika"/>
-        <a:font script="Laoo" typeface="DokChampa"/>
-        <a:font script="Sinh" typeface="Iskoola Pota"/>
-        <a:font script="Mong" typeface="Mongolian Baiti"/>
-        <a:font script="Viet" typeface="Arial"/>
-        <a:font script="Uigh" typeface="Microsoft Uighur"/>
-        <a:font script="Geor" typeface="Sylfaen"/>
-      </a:minorFont>
-    </a:fontScheme>
-    <a:fmtScheme name="Office">
-      <a:fillStyleLst>
-        <a:solidFill>
-          <a:schemeClr val="phClr"/>
-        </a:solidFill>
-        <a:gradFill rotWithShape="1">
-          <a:gsLst>
-            <a:gs pos="0">
-              <a:schemeClr val="phClr">
-                <a:tint val="50000"/>
-                <a:satMod val="300000"/>
-              </a:schemeClr>
-            </a:gs>
-            <a:gs pos="35000">
-              <a:schemeClr val="phClr">
-                <a:tint val="37000"/>
-                <a:satMod val="300000"/>
-              </a:schemeClr>
-            </a:gs>
-            <a:gs pos="100000">
-              <a:schemeClr val="phClr">
-                <a:tint val="15000"/>
-                <a:satMod val="350000"/>
-              </a:schemeClr>
-            </a:gs>
-          </a:gsLst>
-          <a:lin ang="16200000" scaled="1"/>
-        </a:gradFill>
-        <a:gradFill rotWithShape="1">
-          <a:gsLst>
-            <a:gs pos="0">
-              <a:schemeClr val="phClr">
-                <a:tint val="100000"/>
-                <a:shade val="100000"/>
-                <a:satMod val="130000"/>
-              </a:schemeClr>
-            </a:gs>
-            <a:gs pos="100000">
-              <a:schemeClr val="phClr">
-                <a:tint val="50000"/>
-                <a:shade val="100000"/>
-                <a:satMod val="350000"/>
-              </a:schemeClr>
-            </a:gs>
-          </a:gsLst>
-          <a:lin ang="16200000" scaled="0"/>
-        </a:gradFill>
-      </a:fillStyleLst>
-      <a:lnStyleLst>
-        <a:ln w="9525" cap="flat" cmpd="sng" algn="ctr">
-          <a:solidFill>
-            <a:schemeClr val="phClr">
-              <a:shade val="95000"/>
-              <a:satMod val="105000"/>
-            </a:schemeClr>
-          </a:solidFill>
-          <a:prstDash val="solid"/>
-        </a:ln>
-        <a:ln w="25400" cap="flat" cmpd="sng" algn="ctr">
-          <a:solidFill>
-            <a:schemeClr val="phClr"/>
-          </a:solidFill>
-          <a:prstDash val="solid"/>
-        </a:ln>
-        <a:ln w="38100" cap="flat" cmpd="sng" algn="ctr">
-          <a:solidFill>
-            <a:schemeClr val="phClr"/>
-          </a:solidFill>
-          <a:prstDash val="solid"/>
-        </a:ln>
-      </a:lnStyleLst>
-      <a:effectStyleLst>
-        <a:effectStyle>
-          <a:effectLst>
-            <a:outerShdw blurRad="40000" dist="20000" dir="5400000" rotWithShape="0">
-              <a:srgbClr val="000000">
-                <a:alpha val="38000"/>
-              </a:srgbClr>
-            </a:outerShdw>
-          </a:effectLst>
-        </a:effectStyle>
-        <a:effectStyle>
-          <a:effectLst>
-            <a:outerShdw blurRad="40000" dist="23000" dir="5400000" rotWithShape="0">
-              <a:srgbClr val="000000">
-                <a:alpha val="35000"/>
-              </a:srgbClr>
-            </a:outerShdw>
-          </a:effectLst>
-        </a:effectStyle>
-        <a:effectStyle>
-          <a:effectLst>
-            <a:outerShdw blurRad="40000" dist="23000" dir="5400000" rotWithShape="0">
-              <a:srgbClr val="000000">
-                <a:alpha val="35000"/>
-              </a:srgbClr>
-            </a:outerShdw>
-          </a:effectLst>
-          <a:scene3d>
-            <a:camera prst="orthographicFront">
-              <a:rot lat="0" lon="0" rev="0"/>
-            </a:camera>
-            <a:lightRig rig="threePt" dir="t">
-              <a:rot lat="0" lon="0" rev="1200000"/>
-            </a:lightRig>
-          </a:scene3d>
-          <a:sp3d>
-            <a:bevelT w="63500" h="25400"/>
-          </a:sp3d>
-        </a:effectStyle>
-      </a:effectStyleLst>
-      <a:bgFillStyleLst>
-        <a:solidFill>
-          <a:schemeClr val="phClr"/>
-        </a:solidFill>
-        <a:gradFill rotWithShape="1">
-          <a:gsLst>
-            <a:gs pos="0">
-              <a:schemeClr val="phClr">
-                <a:tint val="40000"/>
-                <a:satMod val="350000"/>
-              </a:schemeClr>
-            </a:gs>
-            <a:gs pos="40000">
-              <a:schemeClr val="phClr">
-                <a:tint val="45000"/>
-                <a:shade val="99000"/>
-                <a:satMod val="350000"/>
-              </a:schemeClr>
-            </a:gs>
-            <a:gs pos="100000">
-              <a:schemeClr val="phClr">
-                <a:shade val="20000"/>
-                <a:satMod val="255000"/>
-              </a:schemeClr>
-            </a:gs>
-          </a:gsLst>
-          <a:path path="circle">
-            <a:fillToRect l="50000" t="-80000" r="50000" b="180000"/>
-          </a:path>
-        </a:gradFill>
-        <a:gradFill rotWithShape="1">
-          <a:gsLst>
-            <a:gs pos="0">
-              <a:schemeClr val="phClr">
-                <a:tint val="80000"/>
-                <a:satMod val="300000"/>
-              </a:schemeClr>
-            </a:gs>
-            <a:gs pos="100000">
-              <a:schemeClr val="phClr">
-                <a:shade val="30000"/>
-                <a:satMod val="200000"/>
-              </a:schemeClr>
-            </a:gs>
-          </a:gsLst>
-          <a:path path="circle">
-            <a:fillToRect l="50000" t="50000" r="50000" b="50000"/>
-          </a:path>
-        </a:gradFill>
-      </a:bgFillStyleLst>
-    </a:fmtScheme>
-  </a:themeElements>
-</a:theme>
 </file>
--- a/Story 6/Food Security.pptx
+++ b/Story 6/Food Security.pptx
@@ -6759,11 +6759,7 @@
             </a:pPr>
             <a:r>
               <a:rPr lang="en"/>
-              <a:t>Household Food Security by Income,</a:t>
-            </a:r>
-            <a:r>
-              <a:rPr lang="en"/>
-              <a:t> 2011-202</a:t>
+              <a:t>Household Food Security by Income, 2021</a:t>
             </a:r>
             <a:endParaRPr/>
           </a:p>
@@ -7355,7 +7351,7 @@
             <a:tbl>
               <a:tblPr>
                 <a:noFill/>
-                <a:tableStyleId>{A7E7CF6D-5F47-4A88-84AD-D1E4E8F83584}</a:tableStyleId>
+                <a:tableStyleId>{0DB4F5D1-2DAD-44FD-89DC-8E78F9413ADD}</a:tableStyleId>
               </a:tblPr>
               <a:tblGrid>
                 <a:gridCol w="1224450"/>

--- a/Story 6/Food Security.pptx
+++ b/Story 6/Food Security.pptx
@@ -7351,7 +7351,7 @@
             <a:tbl>
               <a:tblPr>
                 <a:noFill/>
-                <a:tableStyleId>{0DB4F5D1-2DAD-44FD-89DC-8E78F9413ADD}</a:tableStyleId>
+                <a:tableStyleId>{2EE49BE5-A510-49B3-8B51-BA11B8BF47B1}</a:tableStyleId>
               </a:tblPr>
               <a:tblGrid>
                 <a:gridCol w="1224450"/>
@@ -8018,8 +8018,8 @@
         </p:blipFill>
         <p:spPr>
           <a:xfrm>
-            <a:off x="2884949" y="1200150"/>
-            <a:ext cx="5486402" cy="2743200"/>
+            <a:off x="3066900" y="1046525"/>
+            <a:ext cx="5954249" cy="3819003"/>
           </a:xfrm>
           <a:prstGeom prst="rect">
             <a:avLst/>
@@ -8804,6 +8804,285 @@
 </file>
 
 <file path=ppt/theme/theme1.xml><?xml version="1.0" encoding="utf-8"?>
+<a:theme xmlns:a="http://schemas.openxmlformats.org/drawingml/2006/main" xmlns:r="http://schemas.openxmlformats.org/officeDocument/2006/relationships">
+  <a:themeElements>
+    <a:clrScheme name="Default">
+      <a:dk1>
+        <a:srgbClr val="000000"/>
+      </a:dk1>
+      <a:lt1>
+        <a:srgbClr val="FFFFFF"/>
+      </a:lt1>
+      <a:dk2>
+        <a:srgbClr val="158158"/>
+      </a:dk2>
+      <a:lt2>
+        <a:srgbClr val="F3F3F3"/>
+      </a:lt2>
+      <a:accent1>
+        <a:srgbClr val="058DC7"/>
+      </a:accent1>
+      <a:accent2>
+        <a:srgbClr val="50B432"/>
+      </a:accent2>
+      <a:accent3>
+        <a:srgbClr val="ED561B"/>
+      </a:accent3>
+      <a:accent4>
+        <a:srgbClr val="EDEF00"/>
+      </a:accent4>
+      <a:accent5>
+        <a:srgbClr val="24CBE5"/>
+      </a:accent5>
+      <a:accent6>
+        <a:srgbClr val="64E572"/>
+      </a:accent6>
+      <a:hlink>
+        <a:srgbClr val="2200CC"/>
+      </a:hlink>
+      <a:folHlink>
+        <a:srgbClr val="551A8B"/>
+      </a:folHlink>
+    </a:clrScheme>
+    <a:fontScheme name="Office">
+      <a:majorFont>
+        <a:latin typeface="Arial"/>
+        <a:ea typeface=""/>
+        <a:cs typeface=""/>
+        <a:font script="Jpan" typeface="ＭＳ Ｐゴシック"/>
+        <a:font script="Hang" typeface="맑은 고딕"/>
+        <a:font script="Hans" typeface="宋体"/>
+        <a:font script="Hant" typeface="新細明體"/>
+        <a:font script="Arab" typeface="Times New Roman"/>
+        <a:font script="Hebr" typeface="Times New Roman"/>
+        <a:font script="Thai" typeface="Angsana New"/>
+        <a:font script="Ethi" typeface="Nyala"/>
+        <a:font script="Beng" typeface="Vrinda"/>
+        <a:font script="Gujr" typeface="Shruti"/>
+        <a:font script="Khmr" typeface="MoolBoran"/>
+        <a:font script="Knda" typeface="Tunga"/>
+        <a:font script="Guru" typeface="Raavi"/>
+        <a:font script="Cans" typeface="Euphemia"/>
+        <a:font script="Cher" typeface="Plantagenet Cherokee"/>
+        <a:font script="Yiii" typeface="Microsoft Yi Baiti"/>
+        <a:font script="Tibt" typeface="Microsoft Himalaya"/>
+        <a:font script="Thaa" typeface="MV Boli"/>
+        <a:font script="Deva" typeface="Mangal"/>
+        <a:font script="Telu" typeface="Gautami"/>
+        <a:font script="Taml" typeface="Latha"/>
+        <a:font script="Syrc" typeface="Estrangelo Edessa"/>
+        <a:font script="Orya" typeface="Kalinga"/>
+        <a:font script="Mlym" typeface="Kartika"/>
+        <a:font script="Laoo" typeface="DokChampa"/>
+        <a:font script="Sinh" typeface="Iskoola Pota"/>
+        <a:font script="Mong" typeface="Mongolian Baiti"/>
+        <a:font script="Viet" typeface="Times New Roman"/>
+        <a:font script="Uigh" typeface="Microsoft Uighur"/>
+        <a:font script="Geor" typeface="Sylfaen"/>
+      </a:majorFont>
+      <a:minorFont>
+        <a:latin typeface="Arial"/>
+        <a:ea typeface=""/>
+        <a:cs typeface=""/>
+        <a:font script="Jpan" typeface="ＭＳ Ｐゴシック"/>
+        <a:font script="Hang" typeface="맑은 고딕"/>
+        <a:font script="Hans" typeface="宋体"/>
+        <a:font script="Hant" typeface="新細明體"/>
+        <a:font script="Arab" typeface="Arial"/>
+        <a:font script="Hebr" typeface="Arial"/>
+        <a:font script="Thai" typeface="Cordia New"/>
+        <a:font script="Ethi" typeface="Nyala"/>
+        <a:font script="Beng" typeface="Vrinda"/>
+        <a:font script="Gujr" typeface="Shruti"/>
+        <a:font script="Khmr" typeface="DaunPenh"/>
+        <a:font script="Knda" typeface="Tunga"/>
+        <a:font script="Guru" typeface="Raavi"/>
+        <a:font script="Cans" typeface="Euphemia"/>
+        <a:font script="Cher" typeface="Plantagenet Cherokee"/>
+        <a:font script="Yiii" typeface="Microsoft Yi Baiti"/>
+        <a:font script="Tibt" typeface="Microsoft Himalaya"/>
+        <a:font script="Thaa" typeface="MV Boli"/>
+        <a:font script="Deva" typeface="Mangal"/>
+        <a:font script="Telu" typeface="Gautami"/>
+        <a:font script="Taml" typeface="Latha"/>
+        <a:font script="Syrc" typeface="Estrangelo Edessa"/>
+        <a:font script="Orya" typeface="Kalinga"/>
+        <a:font script="Mlym" typeface="Kartika"/>
+        <a:font script="Laoo" typeface="DokChampa"/>
+        <a:font script="Sinh" typeface="Iskoola Pota"/>
+        <a:font script="Mong" typeface="Mongolian Baiti"/>
+        <a:font script="Viet" typeface="Arial"/>
+        <a:font script="Uigh" typeface="Microsoft Uighur"/>
+        <a:font script="Geor" typeface="Sylfaen"/>
+      </a:minorFont>
+    </a:fontScheme>
+    <a:fmtScheme name="Office">
+      <a:fillStyleLst>
+        <a:solidFill>
+          <a:schemeClr val="phClr"/>
+        </a:solidFill>
+        <a:gradFill rotWithShape="1">
+          <a:gsLst>
+            <a:gs pos="0">
+              <a:schemeClr val="phClr">
+                <a:tint val="50000"/>
+                <a:satMod val="300000"/>
+              </a:schemeClr>
+            </a:gs>
+            <a:gs pos="35000">
+              <a:schemeClr val="phClr">
+                <a:tint val="37000"/>
+                <a:satMod val="300000"/>
+              </a:schemeClr>
+            </a:gs>
+            <a:gs pos="100000">
+              <a:schemeClr val="phClr">
+                <a:tint val="15000"/>
+                <a:satMod val="350000"/>
+              </a:schemeClr>
+            </a:gs>
+          </a:gsLst>
+          <a:lin ang="16200000" scaled="1"/>
+        </a:gradFill>
+        <a:gradFill rotWithShape="1">
+          <a:gsLst>
+            <a:gs pos="0">
+              <a:schemeClr val="phClr">
+                <a:tint val="100000"/>
+                <a:shade val="100000"/>
+                <a:satMod val="130000"/>
+              </a:schemeClr>
+            </a:gs>
+            <a:gs pos="100000">
+              <a:schemeClr val="phClr">
+                <a:tint val="50000"/>
+                <a:shade val="100000"/>
+                <a:satMod val="350000"/>
+              </a:schemeClr>
+            </a:gs>
+          </a:gsLst>
+          <a:lin ang="16200000" scaled="0"/>
+        </a:gradFill>
+      </a:fillStyleLst>
+      <a:lnStyleLst>
+        <a:ln w="9525" cap="flat" cmpd="sng" algn="ctr">
+          <a:solidFill>
+            <a:schemeClr val="phClr">
+              <a:shade val="95000"/>
+              <a:satMod val="105000"/>
+            </a:schemeClr>
+          </a:solidFill>
+          <a:prstDash val="solid"/>
+        </a:ln>
+        <a:ln w="25400" cap="flat" cmpd="sng" algn="ctr">
+          <a:solidFill>
+            <a:schemeClr val="phClr"/>
+          </a:solidFill>
+          <a:prstDash val="solid"/>
+        </a:ln>
+        <a:ln w="38100" cap="flat" cmpd="sng" algn="ctr">
+          <a:solidFill>
+            <a:schemeClr val="phClr"/>
+          </a:solidFill>
+          <a:prstDash val="solid"/>
+        </a:ln>
+      </a:lnStyleLst>
+      <a:effectStyleLst>
+        <a:effectStyle>
+          <a:effectLst>
+            <a:outerShdw blurRad="40000" dist="20000" dir="5400000" rotWithShape="0">
+              <a:srgbClr val="000000">
+                <a:alpha val="38000"/>
+              </a:srgbClr>
+            </a:outerShdw>
+          </a:effectLst>
+        </a:effectStyle>
+        <a:effectStyle>
+          <a:effectLst>
+            <a:outerShdw blurRad="40000" dist="23000" dir="5400000" rotWithShape="0">
+              <a:srgbClr val="000000">
+                <a:alpha val="35000"/>
+              </a:srgbClr>
+            </a:outerShdw>
+          </a:effectLst>
+        </a:effectStyle>
+        <a:effectStyle>
+          <a:effectLst>
+            <a:outerShdw blurRad="40000" dist="23000" dir="5400000" rotWithShape="0">
+              <a:srgbClr val="000000">
+                <a:alpha val="35000"/>
+              </a:srgbClr>
+            </a:outerShdw>
+          </a:effectLst>
+          <a:scene3d>
+            <a:camera prst="orthographicFront">
+              <a:rot lat="0" lon="0" rev="0"/>
+            </a:camera>
+            <a:lightRig rig="threePt" dir="t">
+              <a:rot lat="0" lon="0" rev="1200000"/>
+            </a:lightRig>
+          </a:scene3d>
+          <a:sp3d>
+            <a:bevelT w="63500" h="25400"/>
+          </a:sp3d>
+        </a:effectStyle>
+      </a:effectStyleLst>
+      <a:bgFillStyleLst>
+        <a:solidFill>
+          <a:schemeClr val="phClr"/>
+        </a:solidFill>
+        <a:gradFill rotWithShape="1">
+          <a:gsLst>
+            <a:gs pos="0">
+              <a:schemeClr val="phClr">
+                <a:tint val="40000"/>
+                <a:satMod val="350000"/>
+              </a:schemeClr>
+            </a:gs>
+            <a:gs pos="40000">
+              <a:schemeClr val="phClr">
+                <a:tint val="45000"/>
+                <a:shade val="99000"/>
+                <a:satMod val="350000"/>
+              </a:schemeClr>
+            </a:gs>
+            <a:gs pos="100000">
+              <a:schemeClr val="phClr">
+                <a:shade val="20000"/>
+                <a:satMod val="255000"/>
+              </a:schemeClr>
+            </a:gs>
+          </a:gsLst>
+          <a:path path="circle">
+            <a:fillToRect l="50000" t="-80000" r="50000" b="180000"/>
+          </a:path>
+        </a:gradFill>
+        <a:gradFill rotWithShape="1">
+          <a:gsLst>
+            <a:gs pos="0">
+              <a:schemeClr val="phClr">
+                <a:tint val="80000"/>
+                <a:satMod val="300000"/>
+              </a:schemeClr>
+            </a:gs>
+            <a:gs pos="100000">
+              <a:schemeClr val="phClr">
+                <a:shade val="30000"/>
+                <a:satMod val="200000"/>
+              </a:schemeClr>
+            </a:gs>
+          </a:gsLst>
+          <a:path path="circle">
+            <a:fillToRect l="50000" t="50000" r="50000" b="50000"/>
+          </a:path>
+        </a:gradFill>
+      </a:bgFillStyleLst>
+    </a:fmtScheme>
+  </a:themeElements>
+</a:theme>
+</file>
+
+<file path=ppt/theme/theme2.xml><?xml version="1.0" encoding="utf-8"?>
 <a:theme xmlns:a="http://schemas.openxmlformats.org/drawingml/2006/main" xmlns:r="http://schemas.openxmlformats.org/officeDocument/2006/relationships" name="Simple Light">
   <a:themeElements>
     <a:clrScheme name="Simple Light">
@@ -9080,283 +9359,4 @@
     </a:fmtScheme>
   </a:themeElements>
 </a:theme>
-</file>
-
-<file path=ppt/theme/theme2.xml><?xml version="1.0" encoding="utf-8"?>
-<a:theme xmlns:a="http://schemas.openxmlformats.org/drawingml/2006/main" xmlns:r="http://schemas.openxmlformats.org/officeDocument/2006/relationships">
-  <a:themeElements>
-    <a:clrScheme name="Default">
-      <a:dk1>
-        <a:srgbClr val="000000"/>
-      </a:dk1>
-      <a:lt1>
-        <a:srgbClr val="FFFFFF"/>
-      </a:lt1>
-      <a:dk2>
-        <a:srgbClr val="158158"/>
-      </a:dk2>
-      <a:lt2>
-        <a:srgbClr val="F3F3F3"/>
-      </a:lt2>
-      <a:accent1>
-        <a:srgbClr val="058DC7"/>
-      </a:accent1>
-      <a:accent2>
-        <a:srgbClr val="50B432"/>
-      </a:accent2>
-      <a:accent3>
-        <a:srgbClr val="ED561B"/>
-      </a:accent3>
-      <a:accent4>
-        <a:srgbClr val="EDEF00"/>
-      </a:accent4>
-      <a:accent5>
-        <a:srgbClr val="24CBE5"/>
-      </a:accent5>
-      <a:accent6>
-        <a:srgbClr val="64E572"/>
-      </a:accent6>
-      <a:hlink>
-        <a:srgbClr val="2200CC"/>
-      </a:hlink>
-      <a:folHlink>
-        <a:srgbClr val="551A8B"/>
-      </a:folHlink>
-    </a:clrScheme>
-    <a:fontScheme name="Office">
-      <a:majorFont>
-        <a:latin typeface="Arial"/>
-        <a:ea typeface=""/>
-        <a:cs typeface=""/>
-        <a:font script="Jpan" typeface="ＭＳ Ｐゴシック"/>
-        <a:font script="Hang" typeface="맑은 고딕"/>
-        <a:font script="Hans" typeface="宋体"/>
-        <a:font script="Hant" typeface="新細明體"/>
-        <a:font script="Arab" typeface="Times New Roman"/>
-        <a:font script="Hebr" typeface="Times New Roman"/>
-        <a:font script="Thai" typeface="Angsana New"/>
-        <a:font script="Ethi" typeface="Nyala"/>
-        <a:font script="Beng" typeface="Vrinda"/>
-        <a:font script="Gujr" typeface="Shruti"/>
-        <a:font script="Khmr" typeface="MoolBoran"/>
-        <a:font script="Knda" typeface="Tunga"/>
-        <a:font script="Guru" typeface="Raavi"/>
-        <a:font script="Cans" typeface="Euphemia"/>
-        <a:font script="Cher" typeface="Plantagenet Cherokee"/>
-        <a:font script="Yiii" typeface="Microsoft Yi Baiti"/>
-        <a:font script="Tibt" typeface="Microsoft Himalaya"/>
-        <a:font script="Thaa" typeface="MV Boli"/>
-        <a:font script="Deva" typeface="Mangal"/>
-        <a:font script="Telu" typeface="Gautami"/>
-        <a:font script="Taml" typeface="Latha"/>
-        <a:font script="Syrc" typeface="Estrangelo Edessa"/>
-        <a:font script="Orya" typeface="Kalinga"/>
-        <a:font script="Mlym" typeface="Kartika"/>
-        <a:font script="Laoo" typeface="DokChampa"/>
-        <a:font script="Sinh" typeface="Iskoola Pota"/>
-        <a:font script="Mong" typeface="Mongolian Baiti"/>
-        <a:font script="Viet" typeface="Times New Roman"/>
-        <a:font script="Uigh" typeface="Microsoft Uighur"/>
-        <a:font script="Geor" typeface="Sylfaen"/>
-      </a:majorFont>
-      <a:minorFont>
-        <a:latin typeface="Arial"/>
-        <a:ea typeface=""/>
-        <a:cs typeface=""/>
-        <a:font script="Jpan" typeface="ＭＳ Ｐゴシック"/>
-        <a:font script="Hang" typeface="맑은 고딕"/>
-        <a:font script="Hans" typeface="宋体"/>
-        <a:font script="Hant" typeface="新細明體"/>
-        <a:font script="Arab" typeface="Arial"/>
-        <a:font script="Hebr" typeface="Arial"/>
-        <a:font script="Thai" typeface="Cordia New"/>
-        <a:font script="Ethi" typeface="Nyala"/>
-        <a:font script="Beng" typeface="Vrinda"/>
-        <a:font script="Gujr" typeface="Shruti"/>
-        <a:font script="Khmr" typeface="DaunPenh"/>
-        <a:font script="Knda" typeface="Tunga"/>
-        <a:font script="Guru" typeface="Raavi"/>
-        <a:font script="Cans" typeface="Euphemia"/>
-        <a:font script="Cher" typeface="Plantagenet Cherokee"/>
-        <a:font script="Yiii" typeface="Microsoft Yi Baiti"/>
-        <a:font script="Tibt" typeface="Microsoft Himalaya"/>
-        <a:font script="Thaa" typeface="MV Boli"/>
-        <a:font script="Deva" typeface="Mangal"/>
-        <a:font script="Telu" typeface="Gautami"/>
-        <a:font script="Taml" typeface="Latha"/>
-        <a:font script="Syrc" typeface="Estrangelo Edessa"/>
-        <a:font script="Orya" typeface="Kalinga"/>
-        <a:font script="Mlym" typeface="Kartika"/>
-        <a:font script="Laoo" typeface="DokChampa"/>
-        <a:font script="Sinh" typeface="Iskoola Pota"/>
-        <a:font script="Mong" typeface="Mongolian Baiti"/>
-        <a:font script="Viet" typeface="Arial"/>
-        <a:font script="Uigh" typeface="Microsoft Uighur"/>
-        <a:font script="Geor" typeface="Sylfaen"/>
-      </a:minorFont>
-    </a:fontScheme>
-    <a:fmtScheme name="Office">
-      <a:fillStyleLst>
-        <a:solidFill>
-          <a:schemeClr val="phClr"/>
-        </a:solidFill>
-        <a:gradFill rotWithShape="1">
-          <a:gsLst>
-            <a:gs pos="0">
-              <a:schemeClr val="phClr">
-                <a:tint val="50000"/>
-                <a:satMod val="300000"/>
-              </a:schemeClr>
-            </a:gs>
-            <a:gs pos="35000">
-              <a:schemeClr val="phClr">
-                <a:tint val="37000"/>
-                <a:satMod val="300000"/>
-              </a:schemeClr>
-            </a:gs>
-            <a:gs pos="100000">
-              <a:schemeClr val="phClr">
-                <a:tint val="15000"/>
-                <a:satMod val="350000"/>
-              </a:schemeClr>
-            </a:gs>
-          </a:gsLst>
-          <a:lin ang="16200000" scaled="1"/>
-        </a:gradFill>
-        <a:gradFill rotWithShape="1">
-          <a:gsLst>
-            <a:gs pos="0">
-              <a:schemeClr val="phClr">
-                <a:tint val="100000"/>
-                <a:shade val="100000"/>
-                <a:satMod val="130000"/>
-              </a:schemeClr>
-            </a:gs>
-            <a:gs pos="100000">
-              <a:schemeClr val="phClr">
-                <a:tint val="50000"/>
-                <a:shade val="100000"/>
-                <a:satMod val="350000"/>
-              </a:schemeClr>
-            </a:gs>
-          </a:gsLst>
-          <a:lin ang="16200000" scaled="0"/>
-        </a:gradFill>
-      </a:fillStyleLst>
-      <a:lnStyleLst>
-        <a:ln w="9525" cap="flat" cmpd="sng" algn="ctr">
-          <a:solidFill>
-            <a:schemeClr val="phClr">
-              <a:shade val="95000"/>
-              <a:satMod val="105000"/>
-            </a:schemeClr>
-          </a:solidFill>
-          <a:prstDash val="solid"/>
-        </a:ln>
-        <a:ln w="25400" cap="flat" cmpd="sng" algn="ctr">
-          <a:solidFill>
-            <a:schemeClr val="phClr"/>
-          </a:solidFill>
-          <a:prstDash val="solid"/>
-        </a:ln>
-        <a:ln w="38100" cap="flat" cmpd="sng" algn="ctr">
-          <a:solidFill>
-            <a:schemeClr val="phClr"/>
-          </a:solidFill>
-          <a:prstDash val="solid"/>
-        </a:ln>
-      </a:lnStyleLst>
-      <a:effectStyleLst>
-        <a:effectStyle>
-          <a:effectLst>
-            <a:outerShdw blurRad="40000" dist="20000" dir="5400000" rotWithShape="0">
-              <a:srgbClr val="000000">
-                <a:alpha val="38000"/>
-              </a:srgbClr>
-            </a:outerShdw>
-          </a:effectLst>
-        </a:effectStyle>
-        <a:effectStyle>
-          <a:effectLst>
-            <a:outerShdw blurRad="40000" dist="23000" dir="5400000" rotWithShape="0">
-              <a:srgbClr val="000000">
-                <a:alpha val="35000"/>
-              </a:srgbClr>
-            </a:outerShdw>
-          </a:effectLst>
-        </a:effectStyle>
-        <a:effectStyle>
-          <a:effectLst>
-            <a:outerShdw blurRad="40000" dist="23000" dir="5400000" rotWithShape="0">
-              <a:srgbClr val="000000">
-                <a:alpha val="35000"/>
-              </a:srgbClr>
-            </a:outerShdw>
-          </a:effectLst>
-          <a:scene3d>
-            <a:camera prst="orthographicFront">
-              <a:rot lat="0" lon="0" rev="0"/>
-            </a:camera>
-            <a:lightRig rig="threePt" dir="t">
-              <a:rot lat="0" lon="0" rev="1200000"/>
-            </a:lightRig>
-          </a:scene3d>
-          <a:sp3d>
-            <a:bevelT w="63500" h="25400"/>
-          </a:sp3d>
-        </a:effectStyle>
-      </a:effectStyleLst>
-      <a:bgFillStyleLst>
-        <a:solidFill>
-          <a:schemeClr val="phClr"/>
-        </a:solidFill>
-        <a:gradFill rotWithShape="1">
-          <a:gsLst>
-            <a:gs pos="0">
-              <a:schemeClr val="phClr">
-                <a:tint val="40000"/>
-                <a:satMod val="350000"/>
-              </a:schemeClr>
-            </a:gs>
-            <a:gs pos="40000">
-              <a:schemeClr val="phClr">
-                <a:tint val="45000"/>
-                <a:shade val="99000"/>
-                <a:satMod val="350000"/>
-              </a:schemeClr>
-            </a:gs>
-            <a:gs pos="100000">
-              <a:schemeClr val="phClr">
-                <a:shade val="20000"/>
-                <a:satMod val="255000"/>
-              </a:schemeClr>
-            </a:gs>
-          </a:gsLst>
-          <a:path path="circle">
-            <a:fillToRect l="50000" t="-80000" r="50000" b="180000"/>
-          </a:path>
-        </a:gradFill>
-        <a:gradFill rotWithShape="1">
-          <a:gsLst>
-            <a:gs pos="0">
-              <a:schemeClr val="phClr">
-                <a:tint val="80000"/>
-                <a:satMod val="300000"/>
-              </a:schemeClr>
-            </a:gs>
-            <a:gs pos="100000">
-              <a:schemeClr val="phClr">
-                <a:shade val="30000"/>
-                <a:satMod val="200000"/>
-              </a:schemeClr>
-            </a:gs>
-          </a:gsLst>
-          <a:path path="circle">
-            <a:fillToRect l="50000" t="50000" r="50000" b="50000"/>
-          </a:path>
-        </a:gradFill>
-      </a:bgFillStyleLst>
-    </a:fmtScheme>
-  </a:themeElements>
-</a:theme>
 </file>
--- a/Story 6/Food Security.pptx
+++ b/Story 6/Food Security.pptx
@@ -16,6 +16,7 @@
     <p:sldId id="261" r:id="rId12"/>
     <p:sldId id="262" r:id="rId13"/>
     <p:sldId id="263" r:id="rId14"/>
+    <p:sldId id="264" r:id="rId15"/>
   </p:sldIdLst>
   <p:sldSz cy="5143500" cx="9144000"/>
   <p:notesSz cx="6858000" cy="9144000"/>
@@ -1306,7 +1307,7 @@
       </p:grpSpPr>
       <p:sp>
         <p:nvSpPr>
-          <p:cNvPr id="99" name="Google Shape;99;g291a3297369_0_111:notes"/>
+          <p:cNvPr id="99" name="Google Shape;99;g295c2586e2b_0_0:notes"/>
           <p:cNvSpPr/>
           <p:nvPr>
             <p:ph idx="2" type="sldImg"/>
@@ -1341,7 +1342,7 @@
       </p:sp>
       <p:sp>
         <p:nvSpPr>
-          <p:cNvPr id="100" name="Google Shape;100;g291a3297369_0_111:notes"/>
+          <p:cNvPr id="100" name="Google Shape;100;g295c2586e2b_0_0:notes"/>
           <p:cNvSpPr txBox="1"/>
           <p:nvPr>
             <p:ph idx="1" type="body"/>
@@ -1391,7 +1392,7 @@
   <p:cSld>
     <p:spTree>
       <p:nvGrpSpPr>
-        <p:cNvPr id="106" name="Shape 106"/>
+        <p:cNvPr id="105" name="Shape 105"/>
         <p:cNvGrpSpPr/>
         <p:nvPr/>
       </p:nvGrpSpPr>
@@ -1405,7 +1406,7 @@
       </p:grpSpPr>
       <p:sp>
         <p:nvSpPr>
-          <p:cNvPr id="107" name="Google Shape;107;g290648affbb_0_13:notes"/>
+          <p:cNvPr id="106" name="Google Shape;106;g291a3297369_0_111:notes"/>
           <p:cNvSpPr/>
           <p:nvPr>
             <p:ph idx="2" type="sldImg"/>
@@ -1440,7 +1441,106 @@
       </p:sp>
       <p:sp>
         <p:nvSpPr>
-          <p:cNvPr id="108" name="Google Shape;108;g290648affbb_0_13:notes"/>
+          <p:cNvPr id="107" name="Google Shape;107;g291a3297369_0_111:notes"/>
+          <p:cNvSpPr txBox="1"/>
+          <p:nvPr>
+            <p:ph idx="1" type="body"/>
+          </p:nvPr>
+        </p:nvSpPr>
+        <p:spPr>
+          <a:xfrm>
+            <a:off x="685800" y="4343400"/>
+            <a:ext cx="5486400" cy="4114800"/>
+          </a:xfrm>
+          <a:prstGeom prst="rect">
+            <a:avLst/>
+          </a:prstGeom>
+        </p:spPr>
+        <p:txBody>
+          <a:bodyPr anchorCtr="0" anchor="t" bIns="91425" lIns="91425" spcFirstLastPara="1" rIns="91425" wrap="square" tIns="91425">
+            <a:noAutofit/>
+          </a:bodyPr>
+          <a:lstStyle/>
+          <a:p>
+            <a:pPr indent="0" lvl="0" marL="0" rtl="0" algn="l">
+              <a:spcBef>
+                <a:spcPts val="0"/>
+              </a:spcBef>
+              <a:spcAft>
+                <a:spcPts val="0"/>
+              </a:spcAft>
+              <a:buNone/>
+            </a:pPr>
+            <a:r>
+              <a:t/>
+            </a:r>
+            <a:endParaRPr/>
+          </a:p>
+        </p:txBody>
+      </p:sp>
+    </p:spTree>
+  </p:cSld>
+  <p:clrMapOvr>
+    <a:masterClrMapping/>
+  </p:clrMapOvr>
+</p:notes>
+</file>
+
+<file path=ppt/notesSlides/notesSlide9.xml><?xml version="1.0" encoding="utf-8"?>
+<p:notes xmlns:a="http://schemas.openxmlformats.org/drawingml/2006/main" xmlns:r="http://schemas.openxmlformats.org/officeDocument/2006/relationships" xmlns:mc="http://schemas.openxmlformats.org/markup-compatibility/2006" xmlns:mv="urn:schemas-microsoft-com:mac:vml" xmlns:p="http://schemas.openxmlformats.org/presentationml/2006/main" xmlns:c="http://schemas.openxmlformats.org/drawingml/2006/chart" xmlns:dgm="http://schemas.openxmlformats.org/drawingml/2006/diagram" xmlns:o="urn:schemas-microsoft-com:office:office" xmlns:v="urn:schemas-microsoft-com:vml" xmlns:pvml="urn:schemas-microsoft-com:office:powerpoint" xmlns:com="http://schemas.openxmlformats.org/drawingml/2006/compatibility" xmlns:p14="http://schemas.microsoft.com/office/powerpoint/2010/main" xmlns:p15="http://schemas.microsoft.com/office/powerpoint/2012/main" xmlns:ahyp="http://schemas.microsoft.com/office/drawing/2018/hyperlinkcolor" showMasterPhAnim="0" showMasterSp="0">
+  <p:cSld>
+    <p:spTree>
+      <p:nvGrpSpPr>
+        <p:cNvPr id="112" name="Shape 112"/>
+        <p:cNvGrpSpPr/>
+        <p:nvPr/>
+      </p:nvGrpSpPr>
+      <p:grpSpPr>
+        <a:xfrm>
+          <a:off x="0" y="0"/>
+          <a:ext cx="0" cy="0"/>
+          <a:chOff x="0" y="0"/>
+          <a:chExt cx="0" cy="0"/>
+        </a:xfrm>
+      </p:grpSpPr>
+      <p:sp>
+        <p:nvSpPr>
+          <p:cNvPr id="113" name="Google Shape;113;g290648affbb_0_13:notes"/>
+          <p:cNvSpPr/>
+          <p:nvPr>
+            <p:ph idx="2" type="sldImg"/>
+          </p:nvPr>
+        </p:nvSpPr>
+        <p:spPr>
+          <a:xfrm>
+            <a:off x="381300" y="685800"/>
+            <a:ext cx="6096000" cy="3429000"/>
+          </a:xfrm>
+          <a:custGeom>
+            <a:rect b="b" l="l" r="r" t="t"/>
+            <a:pathLst>
+              <a:path extrusionOk="0" h="120000" w="120000">
+                <a:moveTo>
+                  <a:pt x="0" y="0"/>
+                </a:moveTo>
+                <a:lnTo>
+                  <a:pt x="120000" y="0"/>
+                </a:lnTo>
+                <a:lnTo>
+                  <a:pt x="120000" y="120000"/>
+                </a:lnTo>
+                <a:lnTo>
+                  <a:pt x="0" y="120000"/>
+                </a:lnTo>
+                <a:close/>
+              </a:path>
+            </a:pathLst>
+          </a:custGeom>
+        </p:spPr>
+      </p:sp>
+      <p:sp>
+        <p:nvSpPr>
+          <p:cNvPr id="114" name="Google Shape;114;g290648affbb_0_13:notes"/>
           <p:cNvSpPr txBox="1"/>
           <p:nvPr>
             <p:ph idx="1" type="body"/>
@@ -7351,7 +7451,7 @@
             <a:tbl>
               <a:tblPr>
                 <a:noFill/>
-                <a:tableStyleId>{2EE49BE5-A510-49B3-8B51-BA11B8BF47B1}</a:tableStyleId>
+                <a:tableStyleId>{E7BA6010-2E8B-44FA-87FE-87D9DBD26291}</a:tableStyleId>
               </a:tblPr>
               <a:tblGrid>
                 <a:gridCol w="1224450"/>
@@ -8289,7 +8389,7 @@
         <p:spPr>
           <a:xfrm>
             <a:off x="311700" y="445025"/>
-            <a:ext cx="8520600" cy="658800"/>
+            <a:ext cx="8520600" cy="922200"/>
           </a:xfrm>
           <a:prstGeom prst="rect">
             <a:avLst/>
@@ -8358,9 +8458,142 @@
           </a:p>
         </p:txBody>
       </p:sp>
+      <p:pic>
+        <p:nvPicPr>
+          <p:cNvPr id="104" name="Google Shape;104;p19"/>
+          <p:cNvPicPr preferRelativeResize="0"/>
+          <p:nvPr/>
+        </p:nvPicPr>
+        <p:blipFill>
+          <a:blip r:embed="rId3">
+            <a:alphaModFix/>
+          </a:blip>
+          <a:stretch>
+            <a:fillRect/>
+          </a:stretch>
+        </p:blipFill>
+        <p:spPr>
+          <a:xfrm>
+            <a:off x="660804" y="1519625"/>
+            <a:ext cx="7822391" cy="3471475"/>
+          </a:xfrm>
+          <a:prstGeom prst="rect">
+            <a:avLst/>
+          </a:prstGeom>
+          <a:noFill/>
+          <a:ln>
+            <a:noFill/>
+          </a:ln>
+        </p:spPr>
+      </p:pic>
+    </p:spTree>
+  </p:cSld>
+  <p:clrMapOvr>
+    <a:masterClrMapping/>
+  </p:clrMapOvr>
+</p:sld>
+</file>
+
+<file path=ppt/slides/slide8.xml><?xml version="1.0" encoding="utf-8"?>
+<p:sld xmlns:a="http://schemas.openxmlformats.org/drawingml/2006/main" xmlns:r="http://schemas.openxmlformats.org/officeDocument/2006/relationships" xmlns:mc="http://schemas.openxmlformats.org/markup-compatibility/2006" xmlns:mv="urn:schemas-microsoft-com:mac:vml" xmlns:p="http://schemas.openxmlformats.org/presentationml/2006/main" xmlns:c="http://schemas.openxmlformats.org/drawingml/2006/chart" xmlns:dgm="http://schemas.openxmlformats.org/drawingml/2006/diagram" xmlns:o="urn:schemas-microsoft-com:office:office" xmlns:v="urn:schemas-microsoft-com:vml" xmlns:pvml="urn:schemas-microsoft-com:office:powerpoint" xmlns:com="http://schemas.openxmlformats.org/drawingml/2006/compatibility" xmlns:p14="http://schemas.microsoft.com/office/powerpoint/2010/main" xmlns:p15="http://schemas.microsoft.com/office/powerpoint/2012/main" xmlns:ahyp="http://schemas.microsoft.com/office/drawing/2018/hyperlinkcolor">
+  <p:cSld>
+    <p:spTree>
+      <p:nvGrpSpPr>
+        <p:cNvPr id="108" name="Shape 108"/>
+        <p:cNvGrpSpPr/>
+        <p:nvPr/>
+      </p:nvGrpSpPr>
+      <p:grpSpPr>
+        <a:xfrm>
+          <a:off x="0" y="0"/>
+          <a:ext cx="0" cy="0"/>
+          <a:chOff x="0" y="0"/>
+          <a:chExt cx="0" cy="0"/>
+        </a:xfrm>
+      </p:grpSpPr>
       <p:sp>
         <p:nvSpPr>
-          <p:cNvPr id="104" name="Google Shape;104;p19"/>
+          <p:cNvPr id="109" name="Google Shape;109;p20"/>
+          <p:cNvSpPr txBox="1"/>
+          <p:nvPr>
+            <p:ph type="title"/>
+          </p:nvPr>
+        </p:nvSpPr>
+        <p:spPr>
+          <a:xfrm>
+            <a:off x="311700" y="445025"/>
+            <a:ext cx="8520600" cy="658800"/>
+          </a:xfrm>
+          <a:prstGeom prst="rect">
+            <a:avLst/>
+          </a:prstGeom>
+        </p:spPr>
+        <p:txBody>
+          <a:bodyPr anchorCtr="0" anchor="t" bIns="91425" lIns="91425" spcFirstLastPara="1" rIns="91425" wrap="square" tIns="91425">
+            <a:normAutofit/>
+          </a:bodyPr>
+          <a:lstStyle/>
+          <a:p>
+            <a:pPr indent="0" lvl="0" marL="0" rtl="0" algn="ctr">
+              <a:spcBef>
+                <a:spcPts val="0"/>
+              </a:spcBef>
+              <a:spcAft>
+                <a:spcPts val="0"/>
+              </a:spcAft>
+              <a:buNone/>
+            </a:pPr>
+            <a:r>
+              <a:rPr lang="en"/>
+              <a:t>Increasing Food Security for Children</a:t>
+            </a:r>
+            <a:endParaRPr/>
+          </a:p>
+        </p:txBody>
+      </p:sp>
+      <p:sp>
+        <p:nvSpPr>
+          <p:cNvPr id="110" name="Google Shape;110;p20"/>
+          <p:cNvSpPr txBox="1"/>
+          <p:nvPr>
+            <p:ph idx="12" type="sldNum"/>
+          </p:nvPr>
+        </p:nvSpPr>
+        <p:spPr>
+          <a:xfrm>
+            <a:off x="8472458" y="4663217"/>
+            <a:ext cx="548700" cy="393600"/>
+          </a:xfrm>
+          <a:prstGeom prst="rect">
+            <a:avLst/>
+          </a:prstGeom>
+        </p:spPr>
+        <p:txBody>
+          <a:bodyPr anchorCtr="0" anchor="ctr" bIns="91425" lIns="91425" spcFirstLastPara="1" rIns="91425" wrap="square" tIns="91425">
+            <a:normAutofit/>
+          </a:bodyPr>
+          <a:lstStyle/>
+          <a:p>
+            <a:pPr indent="0" lvl="0" marL="0" rtl="0" algn="r">
+              <a:spcBef>
+                <a:spcPts val="0"/>
+              </a:spcBef>
+              <a:spcAft>
+                <a:spcPts val="0"/>
+              </a:spcAft>
+              <a:buNone/>
+            </a:pPr>
+            <a:fld id="{00000000-1234-1234-1234-123412341234}" type="slidenum">
+              <a:rPr lang="en"/>
+              <a:t>‹#›</a:t>
+            </a:fld>
+            <a:endParaRPr/>
+          </a:p>
+        </p:txBody>
+      </p:sp>
+      <p:sp>
+        <p:nvSpPr>
+          <p:cNvPr id="111" name="Google Shape;111;p20"/>
           <p:cNvSpPr txBox="1"/>
           <p:nvPr/>
         </p:nvSpPr>
@@ -8530,34 +8763,6 @@
           </a:p>
         </p:txBody>
       </p:sp>
-      <p:pic>
-        <p:nvPicPr>
-          <p:cNvPr id="105" name="Google Shape;105;p19"/>
-          <p:cNvPicPr preferRelativeResize="0"/>
-          <p:nvPr/>
-        </p:nvPicPr>
-        <p:blipFill>
-          <a:blip r:embed="rId3">
-            <a:alphaModFix/>
-          </a:blip>
-          <a:stretch>
-            <a:fillRect/>
-          </a:stretch>
-        </p:blipFill>
-        <p:spPr>
-          <a:xfrm>
-            <a:off x="1290163" y="2844925"/>
-            <a:ext cx="6903527" cy="2079376"/>
-          </a:xfrm>
-          <a:prstGeom prst="rect">
-            <a:avLst/>
-          </a:prstGeom>
-          <a:noFill/>
-          <a:ln>
-            <a:noFill/>
-          </a:ln>
-        </p:spPr>
-      </p:pic>
     </p:spTree>
   </p:cSld>
   <p:clrMapOvr>
@@ -8566,12 +8771,12 @@
 </p:sld>
 </file>
 
-<file path=ppt/slides/slide8.xml><?xml version="1.0" encoding="utf-8"?>
+<file path=ppt/slides/slide9.xml><?xml version="1.0" encoding="utf-8"?>
 <p:sld xmlns:a="http://schemas.openxmlformats.org/drawingml/2006/main" xmlns:r="http://schemas.openxmlformats.org/officeDocument/2006/relationships" xmlns:mc="http://schemas.openxmlformats.org/markup-compatibility/2006" xmlns:mv="urn:schemas-microsoft-com:mac:vml" xmlns:p="http://schemas.openxmlformats.org/presentationml/2006/main" xmlns:c="http://schemas.openxmlformats.org/drawingml/2006/chart" xmlns:dgm="http://schemas.openxmlformats.org/drawingml/2006/diagram" xmlns:o="urn:schemas-microsoft-com:office:office" xmlns:v="urn:schemas-microsoft-com:vml" xmlns:pvml="urn:schemas-microsoft-com:office:powerpoint" xmlns:com="http://schemas.openxmlformats.org/drawingml/2006/compatibility" xmlns:p14="http://schemas.microsoft.com/office/powerpoint/2010/main" xmlns:p15="http://schemas.microsoft.com/office/powerpoint/2012/main" xmlns:ahyp="http://schemas.microsoft.com/office/drawing/2018/hyperlinkcolor">
   <p:cSld>
     <p:spTree>
       <p:nvGrpSpPr>
-        <p:cNvPr id="109" name="Shape 109"/>
+        <p:cNvPr id="115" name="Shape 115"/>
         <p:cNvGrpSpPr/>
         <p:nvPr/>
       </p:nvGrpSpPr>
@@ -8585,7 +8790,7 @@
       </p:grpSpPr>
       <p:sp>
         <p:nvSpPr>
-          <p:cNvPr id="110" name="Google Shape;110;p20"/>
+          <p:cNvPr id="116" name="Google Shape;116;p21"/>
           <p:cNvSpPr txBox="1"/>
           <p:nvPr>
             <p:ph type="title"/>
@@ -8625,7 +8830,7 @@
       </p:sp>
       <p:sp>
         <p:nvSpPr>
-          <p:cNvPr id="111" name="Google Shape;111;p20"/>
+          <p:cNvPr id="117" name="Google Shape;117;p21"/>
           <p:cNvSpPr txBox="1"/>
           <p:nvPr>
             <p:ph idx="1" type="body"/>
@@ -8757,7 +8962,7 @@
       </p:sp>
       <p:sp>
         <p:nvSpPr>
-          <p:cNvPr id="112" name="Google Shape;112;p20"/>
+          <p:cNvPr id="118" name="Google Shape;118;p21"/>
           <p:cNvSpPr txBox="1"/>
           <p:nvPr>
             <p:ph idx="12" type="sldNum"/>
@@ -8804,6 +9009,285 @@
 </file>
 
 <file path=ppt/theme/theme1.xml><?xml version="1.0" encoding="utf-8"?>
+<a:theme xmlns:a="http://schemas.openxmlformats.org/drawingml/2006/main" xmlns:r="http://schemas.openxmlformats.org/officeDocument/2006/relationships" name="Simple Light">
+  <a:themeElements>
+    <a:clrScheme name="Simple Light">
+      <a:dk1>
+        <a:srgbClr val="000000"/>
+      </a:dk1>
+      <a:lt1>
+        <a:srgbClr val="FFFFFF"/>
+      </a:lt1>
+      <a:dk2>
+        <a:srgbClr val="595959"/>
+      </a:dk2>
+      <a:lt2>
+        <a:srgbClr val="EEEEEE"/>
+      </a:lt2>
+      <a:accent1>
+        <a:srgbClr val="4285F4"/>
+      </a:accent1>
+      <a:accent2>
+        <a:srgbClr val="212121"/>
+      </a:accent2>
+      <a:accent3>
+        <a:srgbClr val="78909C"/>
+      </a:accent3>
+      <a:accent4>
+        <a:srgbClr val="FFAB40"/>
+      </a:accent4>
+      <a:accent5>
+        <a:srgbClr val="0097A7"/>
+      </a:accent5>
+      <a:accent6>
+        <a:srgbClr val="EEFF41"/>
+      </a:accent6>
+      <a:hlink>
+        <a:srgbClr val="0097A7"/>
+      </a:hlink>
+      <a:folHlink>
+        <a:srgbClr val="0097A7"/>
+      </a:folHlink>
+    </a:clrScheme>
+    <a:fontScheme name="Office">
+      <a:majorFont>
+        <a:latin typeface="Arial"/>
+        <a:ea typeface=""/>
+        <a:cs typeface=""/>
+        <a:font script="Jpan" typeface="ＭＳ Ｐゴシック"/>
+        <a:font script="Hang" typeface="맑은 고딕"/>
+        <a:font script="Hans" typeface="宋体"/>
+        <a:font script="Hant" typeface="新細明體"/>
+        <a:font script="Arab" typeface="Times New Roman"/>
+        <a:font script="Hebr" typeface="Times New Roman"/>
+        <a:font script="Thai" typeface="Angsana New"/>
+        <a:font script="Ethi" typeface="Nyala"/>
+        <a:font script="Beng" typeface="Vrinda"/>
+        <a:font script="Gujr" typeface="Shruti"/>
+        <a:font script="Khmr" typeface="MoolBoran"/>
+        <a:font script="Knda" typeface="Tunga"/>
+        <a:font script="Guru" typeface="Raavi"/>
+        <a:font script="Cans" typeface="Euphemia"/>
+        <a:font script="Cher" typeface="Plantagenet Cherokee"/>
+        <a:font script="Yiii" typeface="Microsoft Yi Baiti"/>
+        <a:font script="Tibt" typeface="Microsoft Himalaya"/>
+        <a:font script="Thaa" typeface="MV Boli"/>
+        <a:font script="Deva" typeface="Mangal"/>
+        <a:font script="Telu" typeface="Gautami"/>
+        <a:font script="Taml" typeface="Latha"/>
+        <a:font script="Syrc" typeface="Estrangelo Edessa"/>
+        <a:font script="Orya" typeface="Kalinga"/>
+        <a:font script="Mlym" typeface="Kartika"/>
+        <a:font script="Laoo" typeface="DokChampa"/>
+        <a:font script="Sinh" typeface="Iskoola Pota"/>
+        <a:font script="Mong" typeface="Mongolian Baiti"/>
+        <a:font script="Viet" typeface="Times New Roman"/>
+        <a:font script="Uigh" typeface="Microsoft Uighur"/>
+        <a:font script="Geor" typeface="Sylfaen"/>
+      </a:majorFont>
+      <a:minorFont>
+        <a:latin typeface="Arial"/>
+        <a:ea typeface=""/>
+        <a:cs typeface=""/>
+        <a:font script="Jpan" typeface="ＭＳ Ｐゴシック"/>
+        <a:font script="Hang" typeface="맑은 고딕"/>
+        <a:font script="Hans" typeface="宋体"/>
+        <a:font script="Hant" typeface="新細明體"/>
+        <a:font script="Arab" typeface="Arial"/>
+        <a:font script="Hebr" typeface="Arial"/>
+        <a:font script="Thai" typeface="Cordia New"/>
+        <a:font script="Ethi" typeface="Nyala"/>
+        <a:font script="Beng" typeface="Vrinda"/>
+        <a:font script="Gujr" typeface="Shruti"/>
+        <a:font script="Khmr" typeface="DaunPenh"/>
+        <a:font script="Knda" typeface="Tunga"/>
+        <a:font script="Guru" typeface="Raavi"/>
+        <a:font script="Cans" typeface="Euphemia"/>
+        <a:font script="Cher" typeface="Plantagenet Cherokee"/>
+        <a:font script="Yiii" typeface="Microsoft Yi Baiti"/>
+        <a:font script="Tibt" typeface="Microsoft Himalaya"/>
+        <a:font script="Thaa" typeface="MV Boli"/>
+        <a:font script="Deva" typeface="Mangal"/>
+        <a:font script="Telu" typeface="Gautami"/>
+        <a:font script="Taml" typeface="Latha"/>
+        <a:font script="Syrc" typeface="Estrangelo Edessa"/>
+        <a:font script="Orya" typeface="Kalinga"/>
+        <a:font script="Mlym" typeface="Kartika"/>
+        <a:font script="Laoo" typeface="DokChampa"/>
+        <a:font script="Sinh" typeface="Iskoola Pota"/>
+        <a:font script="Mong" typeface="Mongolian Baiti"/>
+        <a:font script="Viet" typeface="Arial"/>
+        <a:font script="Uigh" typeface="Microsoft Uighur"/>
+        <a:font script="Geor" typeface="Sylfaen"/>
+      </a:minorFont>
+    </a:fontScheme>
+    <a:fmtScheme name="Office">
+      <a:fillStyleLst>
+        <a:solidFill>
+          <a:schemeClr val="phClr"/>
+        </a:solidFill>
+        <a:gradFill rotWithShape="1">
+          <a:gsLst>
+            <a:gs pos="0">
+              <a:schemeClr val="phClr">
+                <a:tint val="50000"/>
+                <a:satMod val="300000"/>
+              </a:schemeClr>
+            </a:gs>
+            <a:gs pos="35000">
+              <a:schemeClr val="phClr">
+                <a:tint val="37000"/>
+                <a:satMod val="300000"/>
+              </a:schemeClr>
+            </a:gs>
+            <a:gs pos="100000">
+              <a:schemeClr val="phClr">
+                <a:tint val="15000"/>
+                <a:satMod val="350000"/>
+              </a:schemeClr>
+            </a:gs>
+          </a:gsLst>
+          <a:lin ang="16200000" scaled="1"/>
+        </a:gradFill>
+        <a:gradFill rotWithShape="1">
+          <a:gsLst>
+            <a:gs pos="0">
+              <a:schemeClr val="phClr">
+                <a:tint val="100000"/>
+                <a:shade val="100000"/>
+                <a:satMod val="130000"/>
+              </a:schemeClr>
+            </a:gs>
+            <a:gs pos="100000">
+              <a:schemeClr val="phClr">
+                <a:tint val="50000"/>
+                <a:shade val="100000"/>
+                <a:satMod val="350000"/>
+              </a:schemeClr>
+            </a:gs>
+          </a:gsLst>
+          <a:lin ang="16200000" scaled="0"/>
+        </a:gradFill>
+      </a:fillStyleLst>
+      <a:lnStyleLst>
+        <a:ln w="9525" cap="flat" cmpd="sng" algn="ctr">
+          <a:solidFill>
+            <a:schemeClr val="phClr">
+              <a:shade val="95000"/>
+              <a:satMod val="105000"/>
+            </a:schemeClr>
+          </a:solidFill>
+          <a:prstDash val="solid"/>
+        </a:ln>
+        <a:ln w="25400" cap="flat" cmpd="sng" algn="ctr">
+          <a:solidFill>
+            <a:schemeClr val="phClr"/>
+          </a:solidFill>
+          <a:prstDash val="solid"/>
+        </a:ln>
+        <a:ln w="38100" cap="flat" cmpd="sng" algn="ctr">
+          <a:solidFill>
+            <a:schemeClr val="phClr"/>
+          </a:solidFill>
+          <a:prstDash val="solid"/>
+        </a:ln>
+      </a:lnStyleLst>
+      <a:effectStyleLst>
+        <a:effectStyle>
+          <a:effectLst>
+            <a:outerShdw blurRad="40000" dist="20000" dir="5400000" rotWithShape="0">
+              <a:srgbClr val="000000">
+                <a:alpha val="38000"/>
+              </a:srgbClr>
+            </a:outerShdw>
+          </a:effectLst>
+        </a:effectStyle>
+        <a:effectStyle>
+          <a:effectLst>
+            <a:outerShdw blurRad="40000" dist="23000" dir="5400000" rotWithShape="0">
+              <a:srgbClr val="000000">
+                <a:alpha val="35000"/>
+              </a:srgbClr>
+            </a:outerShdw>
+          </a:effectLst>
+        </a:effectStyle>
+        <a:effectStyle>
+          <a:effectLst>
+            <a:outerShdw blurRad="40000" dist="23000" dir="5400000" rotWithShape="0">
+              <a:srgbClr val="000000">
+                <a:alpha val="35000"/>
+              </a:srgbClr>
+            </a:outerShdw>
+          </a:effectLst>
+          <a:scene3d>
+            <a:camera prst="orthographicFront">
+              <a:rot lat="0" lon="0" rev="0"/>
+            </a:camera>
+            <a:lightRig rig="threePt" dir="t">
+              <a:rot lat="0" lon="0" rev="1200000"/>
+            </a:lightRig>
+          </a:scene3d>
+          <a:sp3d>
+            <a:bevelT w="63500" h="25400"/>
+          </a:sp3d>
+        </a:effectStyle>
+      </a:effectStyleLst>
+      <a:bgFillStyleLst>
+        <a:solidFill>
+          <a:schemeClr val="phClr"/>
+        </a:solidFill>
+        <a:gradFill rotWithShape="1">
+          <a:gsLst>
+            <a:gs pos="0">
+              <a:schemeClr val="phClr">
+                <a:tint val="40000"/>
+                <a:satMod val="350000"/>
+              </a:schemeClr>
+            </a:gs>
+            <a:gs pos="40000">
+              <a:schemeClr val="phClr">
+                <a:tint val="45000"/>
+                <a:shade val="99000"/>
+                <a:satMod val="350000"/>
+              </a:schemeClr>
+            </a:gs>
+            <a:gs pos="100000">
+              <a:schemeClr val="phClr">
+                <a:shade val="20000"/>
+                <a:satMod val="255000"/>
+              </a:schemeClr>
+            </a:gs>
+          </a:gsLst>
+          <a:path path="circle">
+            <a:fillToRect l="50000" t="-80000" r="50000" b="180000"/>
+          </a:path>
+        </a:gradFill>
+        <a:gradFill rotWithShape="1">
+          <a:gsLst>
+            <a:gs pos="0">
+              <a:schemeClr val="phClr">
+                <a:tint val="80000"/>
+                <a:satMod val="300000"/>
+              </a:schemeClr>
+            </a:gs>
+            <a:gs pos="100000">
+              <a:schemeClr val="phClr">
+                <a:shade val="30000"/>
+                <a:satMod val="200000"/>
+              </a:schemeClr>
+            </a:gs>
+          </a:gsLst>
+          <a:path path="circle">
+            <a:fillToRect l="50000" t="50000" r="50000" b="50000"/>
+          </a:path>
+        </a:gradFill>
+      </a:bgFillStyleLst>
+    </a:fmtScheme>
+  </a:themeElements>
+</a:theme>
+</file>
+
+<file path=ppt/theme/theme2.xml><?xml version="1.0" encoding="utf-8"?>
 <a:theme xmlns:a="http://schemas.openxmlformats.org/drawingml/2006/main" xmlns:r="http://schemas.openxmlformats.org/officeDocument/2006/relationships">
   <a:themeElements>
     <a:clrScheme name="Default">
@@ -9080,283 +9564,4 @@
     </a:fmtScheme>
   </a:themeElements>
 </a:theme>
-</file>
-
-<file path=ppt/theme/theme2.xml><?xml version="1.0" encoding="utf-8"?>
-<a:theme xmlns:a="http://schemas.openxmlformats.org/drawingml/2006/main" xmlns:r="http://schemas.openxmlformats.org/officeDocument/2006/relationships" name="Simple Light">
-  <a:themeElements>
-    <a:clrScheme name="Simple Light">
-      <a:dk1>
-        <a:srgbClr val="000000"/>
-      </a:dk1>
-      <a:lt1>
-        <a:srgbClr val="FFFFFF"/>
-      </a:lt1>
-      <a:dk2>
-        <a:srgbClr val="595959"/>
-      </a:dk2>
-      <a:lt2>
-        <a:srgbClr val="EEEEEE"/>
-      </a:lt2>
-      <a:accent1>
-        <a:srgbClr val="4285F4"/>
-      </a:accent1>
-      <a:accent2>
-        <a:srgbClr val="212121"/>
-      </a:accent2>
-      <a:accent3>
-        <a:srgbClr val="78909C"/>
-      </a:accent3>
-      <a:accent4>
-        <a:srgbClr val="FFAB40"/>
-      </a:accent4>
-      <a:accent5>
-        <a:srgbClr val="0097A7"/>
-      </a:accent5>
-      <a:accent6>
-        <a:srgbClr val="EEFF41"/>
-      </a:accent6>
-      <a:hlink>
-        <a:srgbClr val="0097A7"/>
-      </a:hlink>
-      <a:folHlink>
-        <a:srgbClr val="0097A7"/>
-      </a:folHlink>
-    </a:clrScheme>
-    <a:fontScheme name="Office">
-      <a:majorFont>
-        <a:latin typeface="Arial"/>
-        <a:ea typeface=""/>
-        <a:cs typeface=""/>
-        <a:font script="Jpan" typeface="ＭＳ Ｐゴシック"/>
-        <a:font script="Hang" typeface="맑은 고딕"/>
-        <a:font script="Hans" typeface="宋体"/>
-        <a:font script="Hant" typeface="新細明體"/>
-        <a:font script="Arab" typeface="Times New Roman"/>
-        <a:font script="Hebr" typeface="Times New Roman"/>
-        <a:font script="Thai" typeface="Angsana New"/>
-        <a:font script="Ethi" typeface="Nyala"/>
-        <a:font script="Beng" typeface="Vrinda"/>
-        <a:font script="Gujr" typeface="Shruti"/>
-        <a:font script="Khmr" typeface="MoolBoran"/>
-        <a:font script="Knda" typeface="Tunga"/>
-        <a:font script="Guru" typeface="Raavi"/>
-        <a:font script="Cans" typeface="Euphemia"/>
-        <a:font script="Cher" typeface="Plantagenet Cherokee"/>
-        <a:font script="Yiii" typeface="Microsoft Yi Baiti"/>
-        <a:font script="Tibt" typeface="Microsoft Himalaya"/>
-        <a:font script="Thaa" typeface="MV Boli"/>
-        <a:font script="Deva" typeface="Mangal"/>
-        <a:font script="Telu" typeface="Gautami"/>
-        <a:font script="Taml" typeface="Latha"/>
-        <a:font script="Syrc" typeface="Estrangelo Edessa"/>
-        <a:font script="Orya" typeface="Kalinga"/>
-        <a:font script="Mlym" typeface="Kartika"/>
-        <a:font script="Laoo" typeface="DokChampa"/>
-        <a:font script="Sinh" typeface="Iskoola Pota"/>
-        <a:font script="Mong" typeface="Mongolian Baiti"/>
-        <a:font script="Viet" typeface="Times New Roman"/>
-        <a:font script="Uigh" typeface="Microsoft Uighur"/>
-        <a:font script="Geor" typeface="Sylfaen"/>
-      </a:majorFont>
-      <a:minorFont>
-        <a:latin typeface="Arial"/>
-        <a:ea typeface=""/>
-        <a:cs typeface=""/>
-        <a:font script="Jpan" typeface="ＭＳ Ｐゴシック"/>
-        <a:font script="Hang" typeface="맑은 고딕"/>
-        <a:font script="Hans" typeface="宋体"/>
-        <a:font script="Hant" typeface="新細明體"/>
-        <a:font script="Arab" typeface="Arial"/>
-        <a:font script="Hebr" typeface="Arial"/>
-        <a:font script="Thai" typeface="Cordia New"/>
-        <a:font script="Ethi" typeface="Nyala"/>
-        <a:font script="Beng" typeface="Vrinda"/>
-        <a:font script="Gujr" typeface="Shruti"/>
-        <a:font script="Khmr" typeface="DaunPenh"/>
-        <a:font script="Knda" typeface="Tunga"/>
-        <a:font script="Guru" typeface="Raavi"/>
-        <a:font script="Cans" typeface="Euphemia"/>
-        <a:font script="Cher" typeface="Plantagenet Cherokee"/>
-        <a:font script="Yiii" typeface="Microsoft Yi Baiti"/>
-        <a:font script="Tibt" typeface="Microsoft Himalaya"/>
-        <a:font script="Thaa" typeface="MV Boli"/>
-        <a:font script="Deva" typeface="Mangal"/>
-        <a:font script="Telu" typeface="Gautami"/>
-        <a:font script="Taml" typeface="Latha"/>
-        <a:font script="Syrc" typeface="Estrangelo Edessa"/>
-        <a:font script="Orya" typeface="Kalinga"/>
-        <a:font script="Mlym" typeface="Kartika"/>
-        <a:font script="Laoo" typeface="DokChampa"/>
-        <a:font script="Sinh" typeface="Iskoola Pota"/>
-        <a:font script="Mong" typeface="Mongolian Baiti"/>
-        <a:font script="Viet" typeface="Arial"/>
-        <a:font script="Uigh" typeface="Microsoft Uighur"/>
-        <a:font script="Geor" typeface="Sylfaen"/>
-      </a:minorFont>
-    </a:fontScheme>
-    <a:fmtScheme name="Office">
-      <a:fillStyleLst>
-        <a:solidFill>
-          <a:schemeClr val="phClr"/>
-        </a:solidFill>
-        <a:gradFill rotWithShape="1">
-          <a:gsLst>
-            <a:gs pos="0">
-              <a:schemeClr val="phClr">
-                <a:tint val="50000"/>
-                <a:satMod val="300000"/>
-              </a:schemeClr>
-            </a:gs>
-            <a:gs pos="35000">
-              <a:schemeClr val="phClr">
-                <a:tint val="37000"/>
-                <a:satMod val="300000"/>
-              </a:schemeClr>
-            </a:gs>
-            <a:gs pos="100000">
-              <a:schemeClr val="phClr">
-                <a:tint val="15000"/>
-                <a:satMod val="350000"/>
-              </a:schemeClr>
-            </a:gs>
-          </a:gsLst>
-          <a:lin ang="16200000" scaled="1"/>
-        </a:gradFill>
-        <a:gradFill rotWithShape="1">
-          <a:gsLst>
-            <a:gs pos="0">
-              <a:schemeClr val="phClr">
-                <a:tint val="100000"/>
-                <a:shade val="100000"/>
-                <a:satMod val="130000"/>
-              </a:schemeClr>
-            </a:gs>
-            <a:gs pos="100000">
-              <a:schemeClr val="phClr">
-                <a:tint val="50000"/>
-                <a:shade val="100000"/>
-                <a:satMod val="350000"/>
-              </a:schemeClr>
-            </a:gs>
-          </a:gsLst>
-          <a:lin ang="16200000" scaled="0"/>
-        </a:gradFill>
-      </a:fillStyleLst>
-      <a:lnStyleLst>
-        <a:ln w="9525" cap="flat" cmpd="sng" algn="ctr">
-          <a:solidFill>
-            <a:schemeClr val="phClr">
-              <a:shade val="95000"/>
-              <a:satMod val="105000"/>
-            </a:schemeClr>
-          </a:solidFill>
-          <a:prstDash val="solid"/>
-        </a:ln>
-        <a:ln w="25400" cap="flat" cmpd="sng" algn="ctr">
-          <a:solidFill>
-            <a:schemeClr val="phClr"/>
-          </a:solidFill>
-          <a:prstDash val="solid"/>
-        </a:ln>
-        <a:ln w="38100" cap="flat" cmpd="sng" algn="ctr">
-          <a:solidFill>
-            <a:schemeClr val="phClr"/>
-          </a:solidFill>
-          <a:prstDash val="solid"/>
-        </a:ln>
-      </a:lnStyleLst>
-      <a:effectStyleLst>
-        <a:effectStyle>
-          <a:effectLst>
-            <a:outerShdw blurRad="40000" dist="20000" dir="5400000" rotWithShape="0">
-              <a:srgbClr val="000000">
-                <a:alpha val="38000"/>
-              </a:srgbClr>
-            </a:outerShdw>
-          </a:effectLst>
-        </a:effectStyle>
-        <a:effectStyle>
-          <a:effectLst>
-            <a:outerShdw blurRad="40000" dist="23000" dir="5400000" rotWithShape="0">
-              <a:srgbClr val="000000">
-                <a:alpha val="35000"/>
-              </a:srgbClr>
-            </a:outerShdw>
-          </a:effectLst>
-        </a:effectStyle>
-        <a:effectStyle>
-          <a:effectLst>
-            <a:outerShdw blurRad="40000" dist="23000" dir="5400000" rotWithShape="0">
-              <a:srgbClr val="000000">
-                <a:alpha val="35000"/>
-              </a:srgbClr>
-            </a:outerShdw>
-          </a:effectLst>
-          <a:scene3d>
-            <a:camera prst="orthographicFront">
-              <a:rot lat="0" lon="0" rev="0"/>
-            </a:camera>
-            <a:lightRig rig="threePt" dir="t">
-              <a:rot lat="0" lon="0" rev="1200000"/>
-            </a:lightRig>
-          </a:scene3d>
-          <a:sp3d>
-            <a:bevelT w="63500" h="25400"/>
-          </a:sp3d>
-        </a:effectStyle>
-      </a:effectStyleLst>
-      <a:bgFillStyleLst>
-        <a:solidFill>
-          <a:schemeClr val="phClr"/>
-        </a:solidFill>
-        <a:gradFill rotWithShape="1">
-          <a:gsLst>
-            <a:gs pos="0">
-              <a:schemeClr val="phClr">
-                <a:tint val="40000"/>
-                <a:satMod val="350000"/>
-              </a:schemeClr>
-            </a:gs>
-            <a:gs pos="40000">
-              <a:schemeClr val="phClr">
-                <a:tint val="45000"/>
-                <a:shade val="99000"/>
-                <a:satMod val="350000"/>
-              </a:schemeClr>
-            </a:gs>
-            <a:gs pos="100000">
-              <a:schemeClr val="phClr">
-                <a:shade val="20000"/>
-                <a:satMod val="255000"/>
-              </a:schemeClr>
-            </a:gs>
-          </a:gsLst>
-          <a:path path="circle">
-            <a:fillToRect l="50000" t="-80000" r="50000" b="180000"/>
-          </a:path>
-        </a:gradFill>
-        <a:gradFill rotWithShape="1">
-          <a:gsLst>
-            <a:gs pos="0">
-              <a:schemeClr val="phClr">
-                <a:tint val="80000"/>
-                <a:satMod val="300000"/>
-              </a:schemeClr>
-            </a:gs>
-            <a:gs pos="100000">
-              <a:schemeClr val="phClr">
-                <a:shade val="30000"/>
-                <a:satMod val="200000"/>
-              </a:schemeClr>
-            </a:gs>
-          </a:gsLst>
-          <a:path path="circle">
-            <a:fillToRect l="50000" t="50000" r="50000" b="50000"/>
-          </a:path>
-        </a:gradFill>
-      </a:bgFillStyleLst>
-    </a:fmtScheme>
-  </a:themeElements>
-</a:theme>
 </file>